--- a/5. aprendizaje reforzado.pptx
+++ b/5. aprendizaje reforzado.pptx
@@ -119,7 +119,18 @@
   </p:defaultTextStyle>
   <p:extLst>
     <p:ext uri="{EFAFB233-063F-42B5-8137-9DF3F51BA10A}">
-      <p15:sldGuideLst xmlns="" xmlns:p15="http://schemas.microsoft.com/office/powerpoint/2012/main"/>
+      <p15:sldGuideLst xmlns:p15="http://schemas.microsoft.com/office/powerpoint/2012/main">
+        <p15:guide id="1" orient="horz" pos="2160">
+          <p15:clr>
+            <a:srgbClr val="A4A3A4"/>
+          </p15:clr>
+        </p15:guide>
+        <p15:guide id="2" pos="3840">
+          <p15:clr>
+            <a:srgbClr val="A4A3A4"/>
+          </p15:clr>
+        </p15:guide>
+      </p15:sldGuideLst>
     </p:ext>
   </p:extLst>
 </p:presentation>
@@ -128,7 +139,7 @@
 <file path=ppt/revisionInfo.xml><?xml version="1.0" encoding="utf-8"?>
 <p1510:revInfo xmlns:a="http://schemas.openxmlformats.org/drawingml/2006/main" xmlns:r="http://schemas.openxmlformats.org/officeDocument/2006/relationships" xmlns:p1510="http://schemas.microsoft.com/office/powerpoint/2015/10/main">
   <p1510:revLst>
-    <p1510:client id="{D5A872B8-313C-4215-B87E-B7B88119E156}" v="140" dt="2018-10-18T04:03:17.994"/>
+    <p1510:client id="{2FFB48EE-1197-4CF7-B0B4-0A3794AD2783}" v="12" dt="2019-08-06T16:34:05.611"/>
   </p1510:revLst>
 </p1510:revInfo>
 </file>
@@ -137,2165 +148,194 @@
 <pc:chgInfo xmlns:a="http://schemas.openxmlformats.org/drawingml/2006/main" xmlns:r="http://schemas.openxmlformats.org/officeDocument/2006/relationships" xmlns:ac="http://schemas.microsoft.com/office/drawing/2013/main/command" xmlns:pc="http://schemas.microsoft.com/office/powerpoint/2013/main/command">
   <pc:docChgLst>
     <pc:chgData name="Rafael C." userId="ffa83960b425c528" providerId="LiveId" clId="{A1A6CC59-1AE6-40B8-B2C9-6E34EF2ED440}"/>
-    <pc:docChg chg="undo custSel delSld modSld">
-      <pc:chgData name="Rafael C." userId="ffa83960b425c528" providerId="LiveId" clId="{A1A6CC59-1AE6-40B8-B2C9-6E34EF2ED440}" dt="2018-10-07T18:29:18.067" v="6" actId="2696"/>
+  </pc:docChgLst>
+  <pc:docChgLst>
+    <pc:chgData name="Rafael C." userId="ffa83960b425c528" providerId="LiveId" clId="{7A0BB685-D947-45C5-86DA-A78E0743E074}"/>
+  </pc:docChgLst>
+  <pc:docChgLst>
+    <pc:chgData name="Rafael C." userId="ffa83960b425c528" providerId="LiveId" clId="{2FFB48EE-1197-4CF7-B0B4-0A3794AD2783}"/>
+    <pc:docChg chg="modSld">
+      <pc:chgData name="Rafael C." userId="ffa83960b425c528" providerId="LiveId" clId="{2FFB48EE-1197-4CF7-B0B4-0A3794AD2783}" dt="2019-08-06T16:34:05.611" v="26" actId="478"/>
       <pc:docMkLst>
         <pc:docMk/>
       </pc:docMkLst>
-    </pc:docChg>
-  </pc:docChgLst>
-  <pc:docChgLst>
-    <pc:chgData name="Rafael C." userId="ffa83960b425c528" providerId="LiveId" clId="{7A0BB685-D947-45C5-86DA-A78E0743E074}"/>
-    <pc:docChg chg="undo custSel addSld delSld modSld">
-      <pc:chgData name="Rafael C." userId="ffa83960b425c528" providerId="LiveId" clId="{7A0BB685-D947-45C5-86DA-A78E0743E074}" dt="2018-10-08T04:11:52.729" v="430" actId="20577"/>
-      <pc:docMkLst>
-        <pc:docMk/>
-      </pc:docMkLst>
-      <pc:sldChg chg="addSp delSp modSp">
-        <pc:chgData name="Rafael C." userId="ffa83960b425c528" providerId="LiveId" clId="{7A0BB685-D947-45C5-86DA-A78E0743E074}" dt="2018-10-08T03:47:32.288" v="19" actId="20577"/>
+      <pc:sldChg chg="delSp">
+        <pc:chgData name="Rafael C." userId="ffa83960b425c528" providerId="LiveId" clId="{2FFB48EE-1197-4CF7-B0B4-0A3794AD2783}" dt="2019-08-06T16:33:24.220" v="0" actId="478"/>
         <pc:sldMkLst>
           <pc:docMk/>
           <pc:sldMk cId="727360843" sldId="259"/>
         </pc:sldMkLst>
-        <pc:spChg chg="add mod">
-          <ac:chgData name="Rafael C." userId="ffa83960b425c528" providerId="LiveId" clId="{7A0BB685-D947-45C5-86DA-A78E0743E074}" dt="2018-10-08T03:47:32.288" v="19" actId="20577"/>
-          <ac:spMkLst>
+        <pc:picChg chg="del">
+          <ac:chgData name="Rafael C." userId="ffa83960b425c528" providerId="LiveId" clId="{2FFB48EE-1197-4CF7-B0B4-0A3794AD2783}" dt="2019-08-06T16:33:24.220" v="0" actId="478"/>
+          <ac:picMkLst>
             <pc:docMk/>
             <pc:sldMk cId="727360843" sldId="259"/>
-            <ac:spMk id="4" creationId="{79AD52D0-06D4-4493-91EA-6C4E014DE8E7}"/>
-          </ac:spMkLst>
-        </pc:spChg>
-        <pc:spChg chg="del">
-          <ac:chgData name="Rafael C." userId="ffa83960b425c528" providerId="LiveId" clId="{7A0BB685-D947-45C5-86DA-A78E0743E074}" dt="2018-10-08T03:47:22.375" v="3" actId="478"/>
-          <ac:spMkLst>
-            <pc:docMk/>
-            <pc:sldMk cId="727360843" sldId="259"/>
-            <ac:spMk id="17" creationId="{00000000-0000-0000-0000-000000000000}"/>
-          </ac:spMkLst>
-        </pc:spChg>
+            <ac:picMk id="5" creationId="{00000000-0000-0000-0000-000000000000}"/>
+          </ac:picMkLst>
+        </pc:picChg>
       </pc:sldChg>
-      <pc:sldChg chg="addSp delSp modSp">
-        <pc:chgData name="Rafael C." userId="ffa83960b425c528" providerId="LiveId" clId="{7A0BB685-D947-45C5-86DA-A78E0743E074}" dt="2018-10-08T03:51:29.762" v="177" actId="20577"/>
+      <pc:sldChg chg="delSp modSp">
+        <pc:chgData name="Rafael C." userId="ffa83960b425c528" providerId="LiveId" clId="{2FFB48EE-1197-4CF7-B0B4-0A3794AD2783}" dt="2019-08-06T16:33:39.797" v="17" actId="20577"/>
         <pc:sldMkLst>
           <pc:docMk/>
           <pc:sldMk cId="2068909626" sldId="274"/>
         </pc:sldMkLst>
-        <pc:spChg chg="add mod">
-          <ac:chgData name="Rafael C." userId="ffa83960b425c528" providerId="LiveId" clId="{7A0BB685-D947-45C5-86DA-A78E0743E074}" dt="2018-10-08T03:49:24.655" v="126" actId="20577"/>
-          <ac:spMkLst>
-            <pc:docMk/>
-            <pc:sldMk cId="2068909626" sldId="274"/>
-            <ac:spMk id="4" creationId="{47BF13C9-597F-4101-B226-A0C8AB06CB95}"/>
-          </ac:spMkLst>
-        </pc:spChg>
-        <pc:spChg chg="add mod">
-          <ac:chgData name="Rafael C." userId="ffa83960b425c528" providerId="LiveId" clId="{7A0BB685-D947-45C5-86DA-A78E0743E074}" dt="2018-10-08T03:51:29.762" v="177" actId="20577"/>
-          <ac:spMkLst>
-            <pc:docMk/>
-            <pc:sldMk cId="2068909626" sldId="274"/>
-            <ac:spMk id="5" creationId="{EC9A45E1-1B10-4959-A23C-8023AD14133C}"/>
-          </ac:spMkLst>
-        </pc:spChg>
-        <pc:spChg chg="del">
-          <ac:chgData name="Rafael C." userId="ffa83960b425c528" providerId="LiveId" clId="{7A0BB685-D947-45C5-86DA-A78E0743E074}" dt="2018-10-08T03:47:55.497" v="22" actId="478"/>
-          <ac:spMkLst>
-            <pc:docMk/>
-            <pc:sldMk cId="2068909626" sldId="274"/>
-            <ac:spMk id="9218" creationId="{00000000-0000-0000-0000-000000000000}"/>
-          </ac:spMkLst>
-        </pc:spChg>
-      </pc:sldChg>
-      <pc:sldChg chg="modSp">
-        <pc:chgData name="Rafael C." userId="ffa83960b425c528" providerId="LiveId" clId="{7A0BB685-D947-45C5-86DA-A78E0743E074}" dt="2018-10-08T03:48:18.598" v="36" actId="20577"/>
-        <pc:sldMkLst>
-          <pc:docMk/>
-          <pc:sldMk cId="717311304" sldId="285"/>
-        </pc:sldMkLst>
         <pc:spChg chg="mod">
-          <ac:chgData name="Rafael C." userId="ffa83960b425c528" providerId="LiveId" clId="{7A0BB685-D947-45C5-86DA-A78E0743E074}" dt="2018-10-08T03:48:18.598" v="36" actId="20577"/>
-          <ac:spMkLst>
-            <pc:docMk/>
-            <pc:sldMk cId="717311304" sldId="285"/>
-            <ac:spMk id="2" creationId="{00000000-0000-0000-0000-000000000000}"/>
-          </ac:spMkLst>
-        </pc:spChg>
-      </pc:sldChg>
-    </pc:docChg>
-  </pc:docChgLst>
-  <pc:docChgLst>
-    <pc:chgData name="Rafael C." userId="ffa83960b425c528" providerId="LiveId" clId="{D5A872B8-313C-4215-B87E-B7B88119E156}"/>
-    <pc:docChg chg="undo redo custSel addSld delSld modSld sldOrd">
-      <pc:chgData name="Rafael C." userId="ffa83960b425c528" providerId="LiveId" clId="{D5A872B8-313C-4215-B87E-B7B88119E156}" dt="2018-10-18T04:03:22.087" v="2059" actId="2696"/>
-      <pc:docMkLst>
-        <pc:docMk/>
-      </pc:docMkLst>
-      <pc:sldChg chg="modSp">
-        <pc:chgData name="Rafael C." userId="ffa83960b425c528" providerId="LiveId" clId="{D5A872B8-313C-4215-B87E-B7B88119E156}" dt="2018-10-08T04:16:20.234" v="200" actId="20577"/>
-        <pc:sldMkLst>
-          <pc:docMk/>
-          <pc:sldMk cId="727360843" sldId="259"/>
-        </pc:sldMkLst>
-        <pc:spChg chg="mod">
-          <ac:chgData name="Rafael C." userId="ffa83960b425c528" providerId="LiveId" clId="{D5A872B8-313C-4215-B87E-B7B88119E156}" dt="2018-10-08T04:16:20.234" v="200" actId="20577"/>
-          <ac:spMkLst>
-            <pc:docMk/>
-            <pc:sldMk cId="727360843" sldId="259"/>
-            <ac:spMk id="4" creationId="{79AD52D0-06D4-4493-91EA-6C4E014DE8E7}"/>
-          </ac:spMkLst>
-        </pc:spChg>
-      </pc:sldChg>
-      <pc:sldChg chg="addSp delSp modSp">
-        <pc:chgData name="Rafael C." userId="ffa83960b425c528" providerId="LiveId" clId="{D5A872B8-313C-4215-B87E-B7B88119E156}" dt="2018-10-18T04:03:17.994" v="2058"/>
-        <pc:sldMkLst>
-          <pc:docMk/>
-          <pc:sldMk cId="2068909626" sldId="274"/>
-        </pc:sldMkLst>
-        <pc:spChg chg="del mod">
-          <ac:chgData name="Rafael C." userId="ffa83960b425c528" providerId="LiveId" clId="{D5A872B8-313C-4215-B87E-B7B88119E156}" dt="2018-10-18T04:03:15.828" v="2056" actId="478"/>
-          <ac:spMkLst>
-            <pc:docMk/>
-            <pc:sldMk cId="2068909626" sldId="274"/>
-            <ac:spMk id="4" creationId="{47BF13C9-597F-4101-B226-A0C8AB06CB95}"/>
-          </ac:spMkLst>
-        </pc:spChg>
-        <pc:spChg chg="del mod">
-          <ac:chgData name="Rafael C." userId="ffa83960b425c528" providerId="LiveId" clId="{D5A872B8-313C-4215-B87E-B7B88119E156}" dt="2018-10-18T04:03:17.390" v="2057" actId="478"/>
-          <ac:spMkLst>
-            <pc:docMk/>
-            <pc:sldMk cId="2068909626" sldId="274"/>
-            <ac:spMk id="5" creationId="{EC9A45E1-1B10-4959-A23C-8023AD14133C}"/>
-          </ac:spMkLst>
-        </pc:spChg>
-        <pc:spChg chg="add">
-          <ac:chgData name="Rafael C." userId="ffa83960b425c528" providerId="LiveId" clId="{D5A872B8-313C-4215-B87E-B7B88119E156}" dt="2018-10-18T04:03:17.994" v="2058"/>
+          <ac:chgData name="Rafael C." userId="ffa83960b425c528" providerId="LiveId" clId="{2FFB48EE-1197-4CF7-B0B4-0A3794AD2783}" dt="2019-08-06T16:33:39.797" v="17" actId="20577"/>
           <ac:spMkLst>
             <pc:docMk/>
             <pc:sldMk cId="2068909626" sldId="274"/>
             <ac:spMk id="6" creationId="{44BD0C14-E986-4E36-83C4-EA36A6334937}"/>
           </ac:spMkLst>
         </pc:spChg>
+        <pc:picChg chg="del">
+          <ac:chgData name="Rafael C." userId="ffa83960b425c528" providerId="LiveId" clId="{2FFB48EE-1197-4CF7-B0B4-0A3794AD2783}" dt="2019-08-06T16:33:26.001" v="1" actId="478"/>
+          <ac:picMkLst>
+            <pc:docMk/>
+            <pc:sldMk cId="2068909626" sldId="274"/>
+            <ac:picMk id="4" creationId="{00000000-0000-0000-0000-000000000000}"/>
+          </ac:picMkLst>
+        </pc:picChg>
       </pc:sldChg>
-      <pc:sldChg chg="modSp">
-        <pc:chgData name="Rafael C." userId="ffa83960b425c528" providerId="LiveId" clId="{D5A872B8-313C-4215-B87E-B7B88119E156}" dt="2018-10-08T04:19:52.035" v="272" actId="20577"/>
+      <pc:sldChg chg="delSp">
+        <pc:chgData name="Rafael C." userId="ffa83960b425c528" providerId="LiveId" clId="{2FFB48EE-1197-4CF7-B0B4-0A3794AD2783}" dt="2019-08-06T16:34:05.611" v="26" actId="478"/>
         <pc:sldMkLst>
           <pc:docMk/>
           <pc:sldMk cId="717311304" sldId="285"/>
         </pc:sldMkLst>
-        <pc:spChg chg="mod">
-          <ac:chgData name="Rafael C." userId="ffa83960b425c528" providerId="LiveId" clId="{D5A872B8-313C-4215-B87E-B7B88119E156}" dt="2018-10-08T04:19:52.035" v="272" actId="20577"/>
-          <ac:spMkLst>
+        <pc:picChg chg="del">
+          <ac:chgData name="Rafael C." userId="ffa83960b425c528" providerId="LiveId" clId="{2FFB48EE-1197-4CF7-B0B4-0A3794AD2783}" dt="2019-08-06T16:34:05.611" v="26" actId="478"/>
+          <ac:picMkLst>
             <pc:docMk/>
             <pc:sldMk cId="717311304" sldId="285"/>
-            <ac:spMk id="2" creationId="{00000000-0000-0000-0000-000000000000}"/>
-          </ac:spMkLst>
-        </pc:spChg>
-      </pc:sldChg>
-      <pc:sldChg chg="modSp add">
-        <pc:chgData name="Rafael C." userId="ffa83960b425c528" providerId="LiveId" clId="{D5A872B8-313C-4215-B87E-B7B88119E156}" dt="2018-10-08T05:19:44.527" v="1856" actId="15"/>
-        <pc:sldMkLst>
-          <pc:docMk/>
-          <pc:sldMk cId="1011009931" sldId="286"/>
-        </pc:sldMkLst>
-        <pc:spChg chg="mod">
-          <ac:chgData name="Rafael C." userId="ffa83960b425c528" providerId="LiveId" clId="{D5A872B8-313C-4215-B87E-B7B88119E156}" dt="2018-10-08T04:27:09.442" v="317" actId="20577"/>
-          <ac:spMkLst>
-            <pc:docMk/>
-            <pc:sldMk cId="1011009931" sldId="286"/>
-            <ac:spMk id="4" creationId="{47BF13C9-597F-4101-B226-A0C8AB06CB95}"/>
-          </ac:spMkLst>
-        </pc:spChg>
-        <pc:spChg chg="mod">
-          <ac:chgData name="Rafael C." userId="ffa83960b425c528" providerId="LiveId" clId="{D5A872B8-313C-4215-B87E-B7B88119E156}" dt="2018-10-08T05:19:44.527" v="1856" actId="15"/>
-          <ac:spMkLst>
-            <pc:docMk/>
-            <pc:sldMk cId="1011009931" sldId="286"/>
-            <ac:spMk id="5" creationId="{EC9A45E1-1B10-4959-A23C-8023AD14133C}"/>
-          </ac:spMkLst>
-        </pc:spChg>
-      </pc:sldChg>
-      <pc:sldChg chg="modSp add ord">
-        <pc:chgData name="Rafael C." userId="ffa83960b425c528" providerId="LiveId" clId="{D5A872B8-313C-4215-B87E-B7B88119E156}" dt="2018-10-08T04:30:28.209" v="468"/>
-        <pc:sldMkLst>
-          <pc:docMk/>
-          <pc:sldMk cId="2142410778" sldId="287"/>
-        </pc:sldMkLst>
-        <pc:spChg chg="mod">
-          <ac:chgData name="Rafael C." userId="ffa83960b425c528" providerId="LiveId" clId="{D5A872B8-313C-4215-B87E-B7B88119E156}" dt="2018-10-08T04:29:41.454" v="321" actId="20577"/>
-          <ac:spMkLst>
-            <pc:docMk/>
-            <pc:sldMk cId="2142410778" sldId="287"/>
-            <ac:spMk id="4" creationId="{47BF13C9-597F-4101-B226-A0C8AB06CB95}"/>
-          </ac:spMkLst>
-        </pc:spChg>
-        <pc:spChg chg="mod">
-          <ac:chgData name="Rafael C." userId="ffa83960b425c528" providerId="LiveId" clId="{D5A872B8-313C-4215-B87E-B7B88119E156}" dt="2018-10-08T04:30:22.393" v="467" actId="14"/>
-          <ac:spMkLst>
-            <pc:docMk/>
-            <pc:sldMk cId="2142410778" sldId="287"/>
-            <ac:spMk id="5" creationId="{EC9A45E1-1B10-4959-A23C-8023AD14133C}"/>
-          </ac:spMkLst>
-        </pc:spChg>
-      </pc:sldChg>
-      <pc:sldChg chg="addSp modSp add">
-        <pc:chgData name="Rafael C." userId="ffa83960b425c528" providerId="LiveId" clId="{D5A872B8-313C-4215-B87E-B7B88119E156}" dt="2018-10-08T04:34:04.477" v="586" actId="14100"/>
-        <pc:sldMkLst>
-          <pc:docMk/>
-          <pc:sldMk cId="1941078295" sldId="288"/>
-        </pc:sldMkLst>
-        <pc:spChg chg="add mod">
-          <ac:chgData name="Rafael C." userId="ffa83960b425c528" providerId="LiveId" clId="{D5A872B8-313C-4215-B87E-B7B88119E156}" dt="2018-10-08T04:33:38.521" v="536" actId="403"/>
-          <ac:spMkLst>
-            <pc:docMk/>
-            <pc:sldMk cId="1941078295" sldId="288"/>
-            <ac:spMk id="2" creationId="{3BD3C50D-392F-4B0A-A9D7-6570BD477CDA}"/>
-          </ac:spMkLst>
-        </pc:spChg>
-        <pc:spChg chg="mod">
-          <ac:chgData name="Rafael C." userId="ffa83960b425c528" providerId="LiveId" clId="{D5A872B8-313C-4215-B87E-B7B88119E156}" dt="2018-10-08T04:31:45.605" v="477" actId="1076"/>
-          <ac:spMkLst>
-            <pc:docMk/>
-            <pc:sldMk cId="1941078295" sldId="288"/>
-            <ac:spMk id="5" creationId="{EC9A45E1-1B10-4959-A23C-8023AD14133C}"/>
-          </ac:spMkLst>
-        </pc:spChg>
-        <pc:spChg chg="add mod">
-          <ac:chgData name="Rafael C." userId="ffa83960b425c528" providerId="LiveId" clId="{D5A872B8-313C-4215-B87E-B7B88119E156}" dt="2018-10-08T04:34:04.477" v="586" actId="14100"/>
-          <ac:spMkLst>
-            <pc:docMk/>
-            <pc:sldMk cId="1941078295" sldId="288"/>
-            <ac:spMk id="33" creationId="{41D109FB-8DFC-4E10-928A-4A50553BFA67}"/>
-          </ac:spMkLst>
-        </pc:spChg>
-        <pc:grpChg chg="add mod">
-          <ac:chgData name="Rafael C." userId="ffa83960b425c528" providerId="LiveId" clId="{D5A872B8-313C-4215-B87E-B7B88119E156}" dt="2018-10-08T04:31:48.727" v="478" actId="1076"/>
-          <ac:grpSpMkLst>
-            <pc:docMk/>
-            <pc:sldMk cId="1941078295" sldId="288"/>
-            <ac:grpSpMk id="6" creationId="{BC644404-43C7-464C-99B4-4DCDE5024343}"/>
-          </ac:grpSpMkLst>
-        </pc:grpChg>
-      </pc:sldChg>
-      <pc:sldChg chg="modSp add ord">
-        <pc:chgData name="Rafael C." userId="ffa83960b425c528" providerId="LiveId" clId="{D5A872B8-313C-4215-B87E-B7B88119E156}" dt="2018-10-08T05:20:35.315" v="1897" actId="20577"/>
-        <pc:sldMkLst>
-          <pc:docMk/>
-          <pc:sldMk cId="908688216" sldId="289"/>
-        </pc:sldMkLst>
-        <pc:spChg chg="mod">
-          <ac:chgData name="Rafael C." userId="ffa83960b425c528" providerId="LiveId" clId="{D5A872B8-313C-4215-B87E-B7B88119E156}" dt="2018-10-08T04:34:47.739" v="605" actId="20577"/>
-          <ac:spMkLst>
-            <pc:docMk/>
-            <pc:sldMk cId="908688216" sldId="289"/>
-            <ac:spMk id="4" creationId="{47BF13C9-597F-4101-B226-A0C8AB06CB95}"/>
-          </ac:spMkLst>
-        </pc:spChg>
-        <pc:spChg chg="mod">
-          <ac:chgData name="Rafael C." userId="ffa83960b425c528" providerId="LiveId" clId="{D5A872B8-313C-4215-B87E-B7B88119E156}" dt="2018-10-08T05:20:35.315" v="1897" actId="20577"/>
-          <ac:spMkLst>
-            <pc:docMk/>
-            <pc:sldMk cId="908688216" sldId="289"/>
-            <ac:spMk id="5" creationId="{EC9A45E1-1B10-4959-A23C-8023AD14133C}"/>
-          </ac:spMkLst>
-        </pc:spChg>
-      </pc:sldChg>
-      <pc:sldChg chg="addSp delSp modSp add">
-        <pc:chgData name="Rafael C." userId="ffa83960b425c528" providerId="LiveId" clId="{D5A872B8-313C-4215-B87E-B7B88119E156}" dt="2018-10-18T03:50:29.040" v="2050" actId="27309"/>
-        <pc:sldMkLst>
-          <pc:docMk/>
-          <pc:sldMk cId="3876841162" sldId="290"/>
-        </pc:sldMkLst>
-        <pc:spChg chg="del">
-          <ac:chgData name="Rafael C." userId="ffa83960b425c528" providerId="LiveId" clId="{D5A872B8-313C-4215-B87E-B7B88119E156}" dt="2018-10-08T04:38:45.263" v="724" actId="478"/>
-          <ac:spMkLst>
-            <pc:docMk/>
-            <pc:sldMk cId="3876841162" sldId="290"/>
-            <ac:spMk id="2" creationId="{3BD3C50D-392F-4B0A-A9D7-6570BD477CDA}"/>
-          </ac:spMkLst>
-        </pc:spChg>
-        <pc:spChg chg="mod">
-          <ac:chgData name="Rafael C." userId="ffa83960b425c528" providerId="LiveId" clId="{D5A872B8-313C-4215-B87E-B7B88119E156}" dt="2018-10-08T04:40:58.656" v="787" actId="20577"/>
-          <ac:spMkLst>
-            <pc:docMk/>
-            <pc:sldMk cId="3876841162" sldId="290"/>
-            <ac:spMk id="4" creationId="{47BF13C9-597F-4101-B226-A0C8AB06CB95}"/>
-          </ac:spMkLst>
-        </pc:spChg>
-        <pc:spChg chg="mod">
-          <ac:chgData name="Rafael C." userId="ffa83960b425c528" providerId="LiveId" clId="{D5A872B8-313C-4215-B87E-B7B88119E156}" dt="2018-10-08T04:40:00.572" v="745" actId="1076"/>
-          <ac:spMkLst>
-            <pc:docMk/>
-            <pc:sldMk cId="3876841162" sldId="290"/>
-            <ac:spMk id="5" creationId="{EC9A45E1-1B10-4959-A23C-8023AD14133C}"/>
-          </ac:spMkLst>
-        </pc:spChg>
-        <pc:spChg chg="del">
-          <ac:chgData name="Rafael C." userId="ffa83960b425c528" providerId="LiveId" clId="{D5A872B8-313C-4215-B87E-B7B88119E156}" dt="2018-10-08T04:38:48.776" v="726" actId="478"/>
-          <ac:spMkLst>
-            <pc:docMk/>
-            <pc:sldMk cId="3876841162" sldId="290"/>
-            <ac:spMk id="33" creationId="{41D109FB-8DFC-4E10-928A-4A50553BFA67}"/>
-          </ac:spMkLst>
-        </pc:spChg>
-        <pc:spChg chg="add mod">
-          <ac:chgData name="Rafael C." userId="ffa83960b425c528" providerId="LiveId" clId="{D5A872B8-313C-4215-B87E-B7B88119E156}" dt="2018-10-08T04:39:31.467" v="733" actId="164"/>
-          <ac:spMkLst>
-            <pc:docMk/>
-            <pc:sldMk cId="3876841162" sldId="290"/>
-            <ac:spMk id="34" creationId="{9FFAD053-883B-40CF-937E-6A603F246C6D}"/>
-          </ac:spMkLst>
-        </pc:spChg>
-        <pc:spChg chg="add mod">
-          <ac:chgData name="Rafael C." userId="ffa83960b425c528" providerId="LiveId" clId="{D5A872B8-313C-4215-B87E-B7B88119E156}" dt="2018-10-08T04:39:31.467" v="733" actId="164"/>
-          <ac:spMkLst>
-            <pc:docMk/>
-            <pc:sldMk cId="3876841162" sldId="290"/>
-            <ac:spMk id="35" creationId="{753479CD-1CCB-42F9-BBF5-FC8087DFC7D7}"/>
-          </ac:spMkLst>
-        </pc:spChg>
-        <pc:spChg chg="add mod">
-          <ac:chgData name="Rafael C." userId="ffa83960b425c528" providerId="LiveId" clId="{D5A872B8-313C-4215-B87E-B7B88119E156}" dt="2018-10-08T04:39:31.467" v="733" actId="164"/>
-          <ac:spMkLst>
-            <pc:docMk/>
-            <pc:sldMk cId="3876841162" sldId="290"/>
-            <ac:spMk id="36" creationId="{6FBA5025-91E9-498D-B2C9-B86EB01AC140}"/>
-          </ac:spMkLst>
-        </pc:spChg>
-        <pc:spChg chg="add mod">
-          <ac:chgData name="Rafael C." userId="ffa83960b425c528" providerId="LiveId" clId="{D5A872B8-313C-4215-B87E-B7B88119E156}" dt="2018-10-08T04:39:31.467" v="733" actId="164"/>
-          <ac:spMkLst>
-            <pc:docMk/>
-            <pc:sldMk cId="3876841162" sldId="290"/>
-            <ac:spMk id="37" creationId="{9D341ED7-A125-4611-A499-2498AC714127}"/>
-          </ac:spMkLst>
-        </pc:spChg>
-        <pc:spChg chg="add mod">
-          <ac:chgData name="Rafael C." userId="ffa83960b425c528" providerId="LiveId" clId="{D5A872B8-313C-4215-B87E-B7B88119E156}" dt="2018-10-08T04:39:31.467" v="733" actId="164"/>
-          <ac:spMkLst>
-            <pc:docMk/>
-            <pc:sldMk cId="3876841162" sldId="290"/>
-            <ac:spMk id="38" creationId="{75B8D0FB-ADD4-468D-9A51-7CDFD6710510}"/>
-          </ac:spMkLst>
-        </pc:spChg>
-        <pc:spChg chg="add mod">
-          <ac:chgData name="Rafael C." userId="ffa83960b425c528" providerId="LiveId" clId="{D5A872B8-313C-4215-B87E-B7B88119E156}" dt="2018-10-08T04:39:31.467" v="733" actId="164"/>
-          <ac:spMkLst>
-            <pc:docMk/>
-            <pc:sldMk cId="3876841162" sldId="290"/>
-            <ac:spMk id="39" creationId="{1BE3F716-9946-4279-B881-6FBCF15ACE67}"/>
-          </ac:spMkLst>
-        </pc:spChg>
-        <pc:spChg chg="add mod">
-          <ac:chgData name="Rafael C." userId="ffa83960b425c528" providerId="LiveId" clId="{D5A872B8-313C-4215-B87E-B7B88119E156}" dt="2018-10-08T04:39:31.467" v="733" actId="164"/>
-          <ac:spMkLst>
-            <pc:docMk/>
-            <pc:sldMk cId="3876841162" sldId="290"/>
-            <ac:spMk id="40" creationId="{418A47B1-4589-4927-8DF3-3ACFFD6E4ABF}"/>
-          </ac:spMkLst>
-        </pc:spChg>
-        <pc:spChg chg="add mod">
-          <ac:chgData name="Rafael C." userId="ffa83960b425c528" providerId="LiveId" clId="{D5A872B8-313C-4215-B87E-B7B88119E156}" dt="2018-10-08T04:39:31.467" v="733" actId="164"/>
-          <ac:spMkLst>
-            <pc:docMk/>
-            <pc:sldMk cId="3876841162" sldId="290"/>
-            <ac:spMk id="41" creationId="{4CAB04BE-10EC-4860-8928-6B089E614971}"/>
-          </ac:spMkLst>
-        </pc:spChg>
-        <pc:spChg chg="add mod">
-          <ac:chgData name="Rafael C." userId="ffa83960b425c528" providerId="LiveId" clId="{D5A872B8-313C-4215-B87E-B7B88119E156}" dt="2018-10-08T04:39:31.467" v="733" actId="164"/>
-          <ac:spMkLst>
-            <pc:docMk/>
-            <pc:sldMk cId="3876841162" sldId="290"/>
-            <ac:spMk id="42" creationId="{D53F1AD6-6E51-45E9-9A60-C9661B3D9CD1}"/>
-          </ac:spMkLst>
-        </pc:spChg>
-        <pc:spChg chg="add mod">
-          <ac:chgData name="Rafael C." userId="ffa83960b425c528" providerId="LiveId" clId="{D5A872B8-313C-4215-B87E-B7B88119E156}" dt="2018-10-08T04:39:31.467" v="733" actId="164"/>
-          <ac:spMkLst>
-            <pc:docMk/>
-            <pc:sldMk cId="3876841162" sldId="290"/>
-            <ac:spMk id="43" creationId="{3EF38A48-540F-45A0-A496-981268DB7AAF}"/>
-          </ac:spMkLst>
-        </pc:spChg>
-        <pc:spChg chg="add mod">
-          <ac:chgData name="Rafael C." userId="ffa83960b425c528" providerId="LiveId" clId="{D5A872B8-313C-4215-B87E-B7B88119E156}" dt="2018-10-08T04:39:31.467" v="733" actId="164"/>
-          <ac:spMkLst>
-            <pc:docMk/>
-            <pc:sldMk cId="3876841162" sldId="290"/>
-            <ac:spMk id="44" creationId="{B32ECDD1-9595-4ED9-A854-1131FB5B0A8C}"/>
-          </ac:spMkLst>
-        </pc:spChg>
-        <pc:spChg chg="add mod">
-          <ac:chgData name="Rafael C." userId="ffa83960b425c528" providerId="LiveId" clId="{D5A872B8-313C-4215-B87E-B7B88119E156}" dt="2018-10-08T04:39:31.467" v="733" actId="164"/>
-          <ac:spMkLst>
-            <pc:docMk/>
-            <pc:sldMk cId="3876841162" sldId="290"/>
-            <ac:spMk id="45" creationId="{87271265-38DF-456F-A5F6-E38CF784B161}"/>
-          </ac:spMkLst>
-        </pc:spChg>
-        <pc:spChg chg="add mod">
-          <ac:chgData name="Rafael C." userId="ffa83960b425c528" providerId="LiveId" clId="{D5A872B8-313C-4215-B87E-B7B88119E156}" dt="2018-10-08T04:39:31.467" v="733" actId="164"/>
-          <ac:spMkLst>
-            <pc:docMk/>
-            <pc:sldMk cId="3876841162" sldId="290"/>
-            <ac:spMk id="46" creationId="{2407EC7D-0466-4DF3-8494-B19966164CFB}"/>
-          </ac:spMkLst>
-        </pc:spChg>
-        <pc:spChg chg="add mod">
-          <ac:chgData name="Rafael C." userId="ffa83960b425c528" providerId="LiveId" clId="{D5A872B8-313C-4215-B87E-B7B88119E156}" dt="2018-10-08T04:39:31.467" v="733" actId="164"/>
-          <ac:spMkLst>
-            <pc:docMk/>
-            <pc:sldMk cId="3876841162" sldId="290"/>
-            <ac:spMk id="47" creationId="{C7C69017-30C2-4A09-BCD5-BCE87DDBF037}"/>
-          </ac:spMkLst>
-        </pc:spChg>
-        <pc:spChg chg="add mod">
-          <ac:chgData name="Rafael C." userId="ffa83960b425c528" providerId="LiveId" clId="{D5A872B8-313C-4215-B87E-B7B88119E156}" dt="2018-10-08T04:39:31.467" v="733" actId="164"/>
-          <ac:spMkLst>
-            <pc:docMk/>
-            <pc:sldMk cId="3876841162" sldId="290"/>
-            <ac:spMk id="48" creationId="{18B03F5A-9B98-4ADC-B650-AAF2694FEB59}"/>
-          </ac:spMkLst>
-        </pc:spChg>
-        <pc:spChg chg="add mod">
-          <ac:chgData name="Rafael C." userId="ffa83960b425c528" providerId="LiveId" clId="{D5A872B8-313C-4215-B87E-B7B88119E156}" dt="2018-10-08T04:39:31.467" v="733" actId="164"/>
-          <ac:spMkLst>
-            <pc:docMk/>
-            <pc:sldMk cId="3876841162" sldId="290"/>
-            <ac:spMk id="49" creationId="{45BA0530-3A46-4B95-824A-481D0FEAE01F}"/>
-          </ac:spMkLst>
-        </pc:spChg>
-        <pc:spChg chg="add mod">
-          <ac:chgData name="Rafael C." userId="ffa83960b425c528" providerId="LiveId" clId="{D5A872B8-313C-4215-B87E-B7B88119E156}" dt="2018-10-08T04:39:31.467" v="733" actId="164"/>
-          <ac:spMkLst>
-            <pc:docMk/>
-            <pc:sldMk cId="3876841162" sldId="290"/>
-            <ac:spMk id="50" creationId="{5D365052-CB91-4296-A23A-3D00F27874B1}"/>
-          </ac:spMkLst>
-        </pc:spChg>
-        <pc:spChg chg="add mod">
-          <ac:chgData name="Rafael C." userId="ffa83960b425c528" providerId="LiveId" clId="{D5A872B8-313C-4215-B87E-B7B88119E156}" dt="2018-10-08T04:39:31.467" v="733" actId="164"/>
-          <ac:spMkLst>
-            <pc:docMk/>
-            <pc:sldMk cId="3876841162" sldId="290"/>
-            <ac:spMk id="51" creationId="{206C2CB5-F1E5-42CD-8A71-393A3FE9F39A}"/>
-          </ac:spMkLst>
-        </pc:spChg>
-        <pc:spChg chg="add mod">
-          <ac:chgData name="Rafael C." userId="ffa83960b425c528" providerId="LiveId" clId="{D5A872B8-313C-4215-B87E-B7B88119E156}" dt="2018-10-08T04:39:31.467" v="733" actId="164"/>
-          <ac:spMkLst>
-            <pc:docMk/>
-            <pc:sldMk cId="3876841162" sldId="290"/>
-            <ac:spMk id="52" creationId="{7D06EE91-2DE4-47F8-AD41-EDA8C797EC8A}"/>
-          </ac:spMkLst>
-        </pc:spChg>
-        <pc:spChg chg="add mod">
-          <ac:chgData name="Rafael C." userId="ffa83960b425c528" providerId="LiveId" clId="{D5A872B8-313C-4215-B87E-B7B88119E156}" dt="2018-10-08T04:39:31.467" v="733" actId="164"/>
-          <ac:spMkLst>
-            <pc:docMk/>
-            <pc:sldMk cId="3876841162" sldId="290"/>
-            <ac:spMk id="53" creationId="{849A0421-A8F7-4335-99F6-9AA829E84035}"/>
-          </ac:spMkLst>
-        </pc:spChg>
-        <pc:spChg chg="add mod">
-          <ac:chgData name="Rafael C." userId="ffa83960b425c528" providerId="LiveId" clId="{D5A872B8-313C-4215-B87E-B7B88119E156}" dt="2018-10-08T04:39:31.467" v="733" actId="164"/>
-          <ac:spMkLst>
-            <pc:docMk/>
-            <pc:sldMk cId="3876841162" sldId="290"/>
-            <ac:spMk id="54" creationId="{4E9A9D1D-B535-4727-BF62-3881808357E9}"/>
-          </ac:spMkLst>
-        </pc:spChg>
-        <pc:spChg chg="add mod">
-          <ac:chgData name="Rafael C." userId="ffa83960b425c528" providerId="LiveId" clId="{D5A872B8-313C-4215-B87E-B7B88119E156}" dt="2018-10-08T04:39:31.467" v="733" actId="164"/>
-          <ac:spMkLst>
-            <pc:docMk/>
-            <pc:sldMk cId="3876841162" sldId="290"/>
-            <ac:spMk id="55" creationId="{95EA2EF1-6CE4-45EF-9423-3D04A0A0668A}"/>
-          </ac:spMkLst>
-        </pc:spChg>
-        <pc:grpChg chg="add mod">
-          <ac:chgData name="Rafael C." userId="ffa83960b425c528" providerId="LiveId" clId="{D5A872B8-313C-4215-B87E-B7B88119E156}" dt="2018-10-08T04:39:53.862" v="744" actId="1076"/>
-          <ac:grpSpMkLst>
-            <pc:docMk/>
-            <pc:sldMk cId="3876841162" sldId="290"/>
-            <ac:grpSpMk id="3" creationId="{E54C5CAA-3F81-4AC7-9DA4-1117ACF79178}"/>
-          </ac:grpSpMkLst>
-        </pc:grpChg>
-        <pc:grpChg chg="del">
-          <ac:chgData name="Rafael C." userId="ffa83960b425c528" providerId="LiveId" clId="{D5A872B8-313C-4215-B87E-B7B88119E156}" dt="2018-10-08T04:38:46.573" v="725" actId="478"/>
-          <ac:grpSpMkLst>
-            <pc:docMk/>
-            <pc:sldMk cId="3876841162" sldId="290"/>
-            <ac:grpSpMk id="6" creationId="{BC644404-43C7-464C-99B4-4DCDE5024343}"/>
-          </ac:grpSpMkLst>
-        </pc:grpChg>
-        <pc:graphicFrameChg chg="add del modGraphic">
-          <ac:chgData name="Rafael C." userId="ffa83960b425c528" providerId="LiveId" clId="{D5A872B8-313C-4215-B87E-B7B88119E156}" dt="2018-10-18T03:50:29.040" v="2050" actId="27309"/>
-          <ac:graphicFrameMkLst>
-            <pc:docMk/>
-            <pc:sldMk cId="3876841162" sldId="290"/>
-            <ac:graphicFrameMk id="6" creationId="{537AF633-3BAC-4AA3-AE3E-F49E4BAA1862}"/>
-          </ac:graphicFrameMkLst>
-        </pc:graphicFrameChg>
-      </pc:sldChg>
-      <pc:sldChg chg="addSp delSp modSp add">
-        <pc:chgData name="Rafael C." userId="ffa83960b425c528" providerId="LiveId" clId="{D5A872B8-313C-4215-B87E-B7B88119E156}" dt="2018-10-08T04:41:09.084" v="812" actId="20577"/>
-        <pc:sldMkLst>
-          <pc:docMk/>
-          <pc:sldMk cId="1726126687" sldId="291"/>
-        </pc:sldMkLst>
-        <pc:spChg chg="mod">
-          <ac:chgData name="Rafael C." userId="ffa83960b425c528" providerId="LiveId" clId="{D5A872B8-313C-4215-B87E-B7B88119E156}" dt="2018-10-08T04:41:09.084" v="812" actId="20577"/>
-          <ac:spMkLst>
-            <pc:docMk/>
-            <pc:sldMk cId="1726126687" sldId="291"/>
-            <ac:spMk id="4" creationId="{47BF13C9-597F-4101-B226-A0C8AB06CB95}"/>
-          </ac:spMkLst>
-        </pc:spChg>
-        <pc:spChg chg="mod">
-          <ac:chgData name="Rafael C." userId="ffa83960b425c528" providerId="LiveId" clId="{D5A872B8-313C-4215-B87E-B7B88119E156}" dt="2018-10-08T04:40:37.758" v="765" actId="1076"/>
-          <ac:spMkLst>
-            <pc:docMk/>
-            <pc:sldMk cId="1726126687" sldId="291"/>
-            <ac:spMk id="5" creationId="{EC9A45E1-1B10-4959-A23C-8023AD14133C}"/>
-          </ac:spMkLst>
-        </pc:spChg>
-        <pc:spChg chg="add del">
-          <ac:chgData name="Rafael C." userId="ffa83960b425c528" providerId="LiveId" clId="{D5A872B8-313C-4215-B87E-B7B88119E156}" dt="2018-10-08T04:40:27.208" v="761"/>
-          <ac:spMkLst>
-            <pc:docMk/>
-            <pc:sldMk cId="1726126687" sldId="291"/>
-            <ac:spMk id="28" creationId="{B3C9B1D8-DDA8-4CF2-A5AE-BC45E2D09744}"/>
-          </ac:spMkLst>
-        </pc:spChg>
-        <pc:spChg chg="add del">
-          <ac:chgData name="Rafael C." userId="ffa83960b425c528" providerId="LiveId" clId="{D5A872B8-313C-4215-B87E-B7B88119E156}" dt="2018-10-08T04:40:27.208" v="761"/>
-          <ac:spMkLst>
-            <pc:docMk/>
-            <pc:sldMk cId="1726126687" sldId="291"/>
-            <ac:spMk id="29" creationId="{1DF9433D-E929-496D-9495-177CBAB8C4EB}"/>
-          </ac:spMkLst>
-        </pc:spChg>
-        <pc:spChg chg="add del">
-          <ac:chgData name="Rafael C." userId="ffa83960b425c528" providerId="LiveId" clId="{D5A872B8-313C-4215-B87E-B7B88119E156}" dt="2018-10-08T04:40:27.208" v="761"/>
-          <ac:spMkLst>
-            <pc:docMk/>
-            <pc:sldMk cId="1726126687" sldId="291"/>
-            <ac:spMk id="30" creationId="{5B33C7A8-06E2-4BDF-8395-367FAEFE5443}"/>
-          </ac:spMkLst>
-        </pc:spChg>
-        <pc:spChg chg="add del">
-          <ac:chgData name="Rafael C." userId="ffa83960b425c528" providerId="LiveId" clId="{D5A872B8-313C-4215-B87E-B7B88119E156}" dt="2018-10-08T04:40:27.208" v="761"/>
-          <ac:spMkLst>
-            <pc:docMk/>
-            <pc:sldMk cId="1726126687" sldId="291"/>
-            <ac:spMk id="31" creationId="{854509B4-20FE-48C8-9F86-3719A24C6D87}"/>
-          </ac:spMkLst>
-        </pc:spChg>
-        <pc:spChg chg="add del">
-          <ac:chgData name="Rafael C." userId="ffa83960b425c528" providerId="LiveId" clId="{D5A872B8-313C-4215-B87E-B7B88119E156}" dt="2018-10-08T04:40:27.208" v="761"/>
-          <ac:spMkLst>
-            <pc:docMk/>
-            <pc:sldMk cId="1726126687" sldId="291"/>
-            <ac:spMk id="32" creationId="{B0583A03-EAF0-4649-B254-0CAE7E460508}"/>
-          </ac:spMkLst>
-        </pc:spChg>
-        <pc:spChg chg="add del">
-          <ac:chgData name="Rafael C." userId="ffa83960b425c528" providerId="LiveId" clId="{D5A872B8-313C-4215-B87E-B7B88119E156}" dt="2018-10-08T04:40:27.208" v="761"/>
-          <ac:spMkLst>
-            <pc:docMk/>
-            <pc:sldMk cId="1726126687" sldId="291"/>
-            <ac:spMk id="33" creationId="{6D9C5455-BBE6-4ACE-8245-AD039C471239}"/>
-          </ac:spMkLst>
-        </pc:spChg>
-        <pc:spChg chg="add del">
-          <ac:chgData name="Rafael C." userId="ffa83960b425c528" providerId="LiveId" clId="{D5A872B8-313C-4215-B87E-B7B88119E156}" dt="2018-10-08T04:40:27.208" v="761"/>
-          <ac:spMkLst>
-            <pc:docMk/>
-            <pc:sldMk cId="1726126687" sldId="291"/>
-            <ac:spMk id="56" creationId="{CA3A0002-F902-4AFB-B6FB-5EAC96A9FFBE}"/>
-          </ac:spMkLst>
-        </pc:spChg>
-        <pc:spChg chg="add del">
-          <ac:chgData name="Rafael C." userId="ffa83960b425c528" providerId="LiveId" clId="{D5A872B8-313C-4215-B87E-B7B88119E156}" dt="2018-10-08T04:40:27.208" v="761"/>
-          <ac:spMkLst>
-            <pc:docMk/>
-            <pc:sldMk cId="1726126687" sldId="291"/>
-            <ac:spMk id="57" creationId="{810F644A-1285-4CA4-8266-136E8F2F47CF}"/>
-          </ac:spMkLst>
-        </pc:spChg>
-        <pc:spChg chg="add del">
-          <ac:chgData name="Rafael C." userId="ffa83960b425c528" providerId="LiveId" clId="{D5A872B8-313C-4215-B87E-B7B88119E156}" dt="2018-10-08T04:40:27.208" v="761"/>
-          <ac:spMkLst>
-            <pc:docMk/>
-            <pc:sldMk cId="1726126687" sldId="291"/>
-            <ac:spMk id="58" creationId="{24EFD3DF-971D-4F54-9D5D-8C5ABD2098B0}"/>
-          </ac:spMkLst>
-        </pc:spChg>
-        <pc:spChg chg="add del">
-          <ac:chgData name="Rafael C." userId="ffa83960b425c528" providerId="LiveId" clId="{D5A872B8-313C-4215-B87E-B7B88119E156}" dt="2018-10-08T04:40:27.208" v="761"/>
-          <ac:spMkLst>
-            <pc:docMk/>
-            <pc:sldMk cId="1726126687" sldId="291"/>
-            <ac:spMk id="59" creationId="{C2C3FE3F-3804-4158-8DD4-BCA0AEF822D6}"/>
-          </ac:spMkLst>
-        </pc:spChg>
-        <pc:spChg chg="add del">
-          <ac:chgData name="Rafael C." userId="ffa83960b425c528" providerId="LiveId" clId="{D5A872B8-313C-4215-B87E-B7B88119E156}" dt="2018-10-08T04:40:27.208" v="761"/>
-          <ac:spMkLst>
-            <pc:docMk/>
-            <pc:sldMk cId="1726126687" sldId="291"/>
-            <ac:spMk id="60" creationId="{4757C576-1760-4A42-8B13-E366A81B7251}"/>
-          </ac:spMkLst>
-        </pc:spChg>
-        <pc:spChg chg="add del">
-          <ac:chgData name="Rafael C." userId="ffa83960b425c528" providerId="LiveId" clId="{D5A872B8-313C-4215-B87E-B7B88119E156}" dt="2018-10-08T04:40:27.208" v="761"/>
-          <ac:spMkLst>
-            <pc:docMk/>
-            <pc:sldMk cId="1726126687" sldId="291"/>
-            <ac:spMk id="61" creationId="{1E6D1806-907E-425F-9BEC-AEC6A497FB15}"/>
-          </ac:spMkLst>
-        </pc:spChg>
-        <pc:spChg chg="add del">
-          <ac:chgData name="Rafael C." userId="ffa83960b425c528" providerId="LiveId" clId="{D5A872B8-313C-4215-B87E-B7B88119E156}" dt="2018-10-08T04:40:27.208" v="761"/>
-          <ac:spMkLst>
-            <pc:docMk/>
-            <pc:sldMk cId="1726126687" sldId="291"/>
-            <ac:spMk id="62" creationId="{FE2AC5A2-545B-40EF-A18A-E182ECB3D817}"/>
-          </ac:spMkLst>
-        </pc:spChg>
-        <pc:spChg chg="add del">
-          <ac:chgData name="Rafael C." userId="ffa83960b425c528" providerId="LiveId" clId="{D5A872B8-313C-4215-B87E-B7B88119E156}" dt="2018-10-08T04:40:27.208" v="761"/>
-          <ac:spMkLst>
-            <pc:docMk/>
-            <pc:sldMk cId="1726126687" sldId="291"/>
-            <ac:spMk id="63" creationId="{4844E994-D357-42EF-8F57-37ACB86A447F}"/>
-          </ac:spMkLst>
-        </pc:spChg>
-        <pc:spChg chg="add del">
-          <ac:chgData name="Rafael C." userId="ffa83960b425c528" providerId="LiveId" clId="{D5A872B8-313C-4215-B87E-B7B88119E156}" dt="2018-10-08T04:40:27.208" v="761"/>
-          <ac:spMkLst>
-            <pc:docMk/>
-            <pc:sldMk cId="1726126687" sldId="291"/>
-            <ac:spMk id="64" creationId="{D892742B-2829-4DA6-A39B-5DA8E3629D10}"/>
-          </ac:spMkLst>
-        </pc:spChg>
-        <pc:spChg chg="add del">
-          <ac:chgData name="Rafael C." userId="ffa83960b425c528" providerId="LiveId" clId="{D5A872B8-313C-4215-B87E-B7B88119E156}" dt="2018-10-08T04:40:27.208" v="761"/>
-          <ac:spMkLst>
-            <pc:docMk/>
-            <pc:sldMk cId="1726126687" sldId="291"/>
-            <ac:spMk id="65" creationId="{BFBE6E2E-C9B6-4174-9888-80496C977466}"/>
-          </ac:spMkLst>
-        </pc:spChg>
-        <pc:spChg chg="add del">
-          <ac:chgData name="Rafael C." userId="ffa83960b425c528" providerId="LiveId" clId="{D5A872B8-313C-4215-B87E-B7B88119E156}" dt="2018-10-08T04:40:27.208" v="761"/>
-          <ac:spMkLst>
-            <pc:docMk/>
-            <pc:sldMk cId="1726126687" sldId="291"/>
-            <ac:spMk id="66" creationId="{BB05EB05-9BBA-499C-8024-B3D7E891FD75}"/>
-          </ac:spMkLst>
-        </pc:spChg>
-        <pc:spChg chg="add del">
-          <ac:chgData name="Rafael C." userId="ffa83960b425c528" providerId="LiveId" clId="{D5A872B8-313C-4215-B87E-B7B88119E156}" dt="2018-10-08T04:40:27.208" v="761"/>
-          <ac:spMkLst>
-            <pc:docMk/>
-            <pc:sldMk cId="1726126687" sldId="291"/>
-            <ac:spMk id="67" creationId="{A0AF4707-29B0-4065-AE5A-857539A54FFA}"/>
-          </ac:spMkLst>
-        </pc:spChg>
-        <pc:spChg chg="add del">
-          <ac:chgData name="Rafael C." userId="ffa83960b425c528" providerId="LiveId" clId="{D5A872B8-313C-4215-B87E-B7B88119E156}" dt="2018-10-08T04:40:27.208" v="761"/>
-          <ac:spMkLst>
-            <pc:docMk/>
-            <pc:sldMk cId="1726126687" sldId="291"/>
-            <ac:spMk id="68" creationId="{BB29D5E6-E3CB-4064-8A49-1936F02C3F6E}"/>
-          </ac:spMkLst>
-        </pc:spChg>
-        <pc:spChg chg="add del">
-          <ac:chgData name="Rafael C." userId="ffa83960b425c528" providerId="LiveId" clId="{D5A872B8-313C-4215-B87E-B7B88119E156}" dt="2018-10-08T04:40:27.208" v="761"/>
-          <ac:spMkLst>
-            <pc:docMk/>
-            <pc:sldMk cId="1726126687" sldId="291"/>
-            <ac:spMk id="69" creationId="{7E4FC11B-C9AD-47C5-B037-1BB4508B0A27}"/>
-          </ac:spMkLst>
-        </pc:spChg>
-        <pc:spChg chg="add del">
-          <ac:chgData name="Rafael C." userId="ffa83960b425c528" providerId="LiveId" clId="{D5A872B8-313C-4215-B87E-B7B88119E156}" dt="2018-10-08T04:40:27.208" v="761"/>
-          <ac:spMkLst>
-            <pc:docMk/>
-            <pc:sldMk cId="1726126687" sldId="291"/>
-            <ac:spMk id="70" creationId="{8B2BA021-EDD5-4421-844E-1831324D9541}"/>
-          </ac:spMkLst>
-        </pc:spChg>
-        <pc:spChg chg="add del">
-          <ac:chgData name="Rafael C." userId="ffa83960b425c528" providerId="LiveId" clId="{D5A872B8-313C-4215-B87E-B7B88119E156}" dt="2018-10-08T04:40:27.208" v="761"/>
-          <ac:spMkLst>
-            <pc:docMk/>
-            <pc:sldMk cId="1726126687" sldId="291"/>
-            <ac:spMk id="71" creationId="{EA7E64E3-37A6-4C63-857F-AE8741D0441F}"/>
-          </ac:spMkLst>
-        </pc:spChg>
-        <pc:spChg chg="add del">
-          <ac:chgData name="Rafael C." userId="ffa83960b425c528" providerId="LiveId" clId="{D5A872B8-313C-4215-B87E-B7B88119E156}" dt="2018-10-08T04:40:27.208" v="761"/>
-          <ac:spMkLst>
-            <pc:docMk/>
-            <pc:sldMk cId="1726126687" sldId="291"/>
-            <ac:spMk id="72" creationId="{183D1F1B-C5D9-4DEA-9B30-855F92D29E28}"/>
-          </ac:spMkLst>
-        </pc:spChg>
-        <pc:spChg chg="add mod">
-          <ac:chgData name="Rafael C." userId="ffa83960b425c528" providerId="LiveId" clId="{D5A872B8-313C-4215-B87E-B7B88119E156}" dt="2018-10-08T04:40:36.064" v="763" actId="164"/>
-          <ac:spMkLst>
-            <pc:docMk/>
-            <pc:sldMk cId="1726126687" sldId="291"/>
-            <ac:spMk id="73" creationId="{03EFF17C-AC97-486B-8B30-D566FD8E6FE6}"/>
-          </ac:spMkLst>
-        </pc:spChg>
-        <pc:spChg chg="add mod">
-          <ac:chgData name="Rafael C." userId="ffa83960b425c528" providerId="LiveId" clId="{D5A872B8-313C-4215-B87E-B7B88119E156}" dt="2018-10-08T04:40:36.064" v="763" actId="164"/>
-          <ac:spMkLst>
-            <pc:docMk/>
-            <pc:sldMk cId="1726126687" sldId="291"/>
-            <ac:spMk id="74" creationId="{3A97E155-1475-419C-8021-4565A4B780E8}"/>
-          </ac:spMkLst>
-        </pc:spChg>
-        <pc:spChg chg="add mod">
-          <ac:chgData name="Rafael C." userId="ffa83960b425c528" providerId="LiveId" clId="{D5A872B8-313C-4215-B87E-B7B88119E156}" dt="2018-10-08T04:40:36.064" v="763" actId="164"/>
-          <ac:spMkLst>
-            <pc:docMk/>
-            <pc:sldMk cId="1726126687" sldId="291"/>
-            <ac:spMk id="75" creationId="{16D8BAB9-8794-4EDE-8D2F-10C2CDC4710A}"/>
-          </ac:spMkLst>
-        </pc:spChg>
-        <pc:spChg chg="add mod">
-          <ac:chgData name="Rafael C." userId="ffa83960b425c528" providerId="LiveId" clId="{D5A872B8-313C-4215-B87E-B7B88119E156}" dt="2018-10-08T04:40:36.064" v="763" actId="164"/>
-          <ac:spMkLst>
-            <pc:docMk/>
-            <pc:sldMk cId="1726126687" sldId="291"/>
-            <ac:spMk id="76" creationId="{A1C88CC5-53A2-4A12-9F54-CF7A026C556D}"/>
-          </ac:spMkLst>
-        </pc:spChg>
-        <pc:spChg chg="add mod">
-          <ac:chgData name="Rafael C." userId="ffa83960b425c528" providerId="LiveId" clId="{D5A872B8-313C-4215-B87E-B7B88119E156}" dt="2018-10-08T04:40:36.064" v="763" actId="164"/>
-          <ac:spMkLst>
-            <pc:docMk/>
-            <pc:sldMk cId="1726126687" sldId="291"/>
-            <ac:spMk id="77" creationId="{4BDD88B4-8769-4322-B90B-4F8738CD124F}"/>
-          </ac:spMkLst>
-        </pc:spChg>
-        <pc:spChg chg="add mod">
-          <ac:chgData name="Rafael C." userId="ffa83960b425c528" providerId="LiveId" clId="{D5A872B8-313C-4215-B87E-B7B88119E156}" dt="2018-10-08T04:40:36.064" v="763" actId="164"/>
-          <ac:spMkLst>
-            <pc:docMk/>
-            <pc:sldMk cId="1726126687" sldId="291"/>
-            <ac:spMk id="78" creationId="{32995501-CC2B-47C1-A605-D2287566C839}"/>
-          </ac:spMkLst>
-        </pc:spChg>
-        <pc:spChg chg="add mod">
-          <ac:chgData name="Rafael C." userId="ffa83960b425c528" providerId="LiveId" clId="{D5A872B8-313C-4215-B87E-B7B88119E156}" dt="2018-10-08T04:40:36.064" v="763" actId="164"/>
-          <ac:spMkLst>
-            <pc:docMk/>
-            <pc:sldMk cId="1726126687" sldId="291"/>
-            <ac:spMk id="79" creationId="{9C61BBAA-C7CD-4C8D-A0D3-06DED3BCCC9A}"/>
-          </ac:spMkLst>
-        </pc:spChg>
-        <pc:spChg chg="add mod">
-          <ac:chgData name="Rafael C." userId="ffa83960b425c528" providerId="LiveId" clId="{D5A872B8-313C-4215-B87E-B7B88119E156}" dt="2018-10-08T04:40:36.064" v="763" actId="164"/>
-          <ac:spMkLst>
-            <pc:docMk/>
-            <pc:sldMk cId="1726126687" sldId="291"/>
-            <ac:spMk id="80" creationId="{815B0F7D-4EDC-4403-BCD5-3EF7215F6D44}"/>
-          </ac:spMkLst>
-        </pc:spChg>
-        <pc:spChg chg="add mod">
-          <ac:chgData name="Rafael C." userId="ffa83960b425c528" providerId="LiveId" clId="{D5A872B8-313C-4215-B87E-B7B88119E156}" dt="2018-10-08T04:40:36.064" v="763" actId="164"/>
-          <ac:spMkLst>
-            <pc:docMk/>
-            <pc:sldMk cId="1726126687" sldId="291"/>
-            <ac:spMk id="81" creationId="{A30E479C-5799-47D4-8E16-417AE6290C1F}"/>
-          </ac:spMkLst>
-        </pc:spChg>
-        <pc:spChg chg="add mod">
-          <ac:chgData name="Rafael C." userId="ffa83960b425c528" providerId="LiveId" clId="{D5A872B8-313C-4215-B87E-B7B88119E156}" dt="2018-10-08T04:40:36.064" v="763" actId="164"/>
-          <ac:spMkLst>
-            <pc:docMk/>
-            <pc:sldMk cId="1726126687" sldId="291"/>
-            <ac:spMk id="82" creationId="{69F8B023-C1C6-49C8-9351-CA02DDAE4621}"/>
-          </ac:spMkLst>
-        </pc:spChg>
-        <pc:spChg chg="add mod">
-          <ac:chgData name="Rafael C." userId="ffa83960b425c528" providerId="LiveId" clId="{D5A872B8-313C-4215-B87E-B7B88119E156}" dt="2018-10-08T04:40:36.064" v="763" actId="164"/>
-          <ac:spMkLst>
-            <pc:docMk/>
-            <pc:sldMk cId="1726126687" sldId="291"/>
-            <ac:spMk id="83" creationId="{A2D15590-44B8-4506-87CA-8C2FCD3A3E35}"/>
-          </ac:spMkLst>
-        </pc:spChg>
-        <pc:spChg chg="add mod">
-          <ac:chgData name="Rafael C." userId="ffa83960b425c528" providerId="LiveId" clId="{D5A872B8-313C-4215-B87E-B7B88119E156}" dt="2018-10-08T04:40:36.064" v="763" actId="164"/>
-          <ac:spMkLst>
-            <pc:docMk/>
-            <pc:sldMk cId="1726126687" sldId="291"/>
-            <ac:spMk id="84" creationId="{09058603-B0EB-4DF6-914C-4EAD65C79632}"/>
-          </ac:spMkLst>
-        </pc:spChg>
-        <pc:spChg chg="add mod">
-          <ac:chgData name="Rafael C." userId="ffa83960b425c528" providerId="LiveId" clId="{D5A872B8-313C-4215-B87E-B7B88119E156}" dt="2018-10-08T04:40:36.064" v="763" actId="164"/>
-          <ac:spMkLst>
-            <pc:docMk/>
-            <pc:sldMk cId="1726126687" sldId="291"/>
-            <ac:spMk id="85" creationId="{9D8B9B9F-D1FD-4843-81F2-FCD5C63E2883}"/>
-          </ac:spMkLst>
-        </pc:spChg>
-        <pc:spChg chg="add mod">
-          <ac:chgData name="Rafael C." userId="ffa83960b425c528" providerId="LiveId" clId="{D5A872B8-313C-4215-B87E-B7B88119E156}" dt="2018-10-08T04:40:36.064" v="763" actId="164"/>
-          <ac:spMkLst>
-            <pc:docMk/>
-            <pc:sldMk cId="1726126687" sldId="291"/>
-            <ac:spMk id="86" creationId="{307A91A9-9096-4D0C-BAF2-0206770D6498}"/>
-          </ac:spMkLst>
-        </pc:spChg>
-        <pc:spChg chg="add mod">
-          <ac:chgData name="Rafael C." userId="ffa83960b425c528" providerId="LiveId" clId="{D5A872B8-313C-4215-B87E-B7B88119E156}" dt="2018-10-08T04:40:36.064" v="763" actId="164"/>
-          <ac:spMkLst>
-            <pc:docMk/>
-            <pc:sldMk cId="1726126687" sldId="291"/>
-            <ac:spMk id="87" creationId="{2777EDE1-386D-4DC3-8C85-A26D5CABAE11}"/>
-          </ac:spMkLst>
-        </pc:spChg>
-        <pc:spChg chg="add mod">
-          <ac:chgData name="Rafael C." userId="ffa83960b425c528" providerId="LiveId" clId="{D5A872B8-313C-4215-B87E-B7B88119E156}" dt="2018-10-08T04:40:36.064" v="763" actId="164"/>
-          <ac:spMkLst>
-            <pc:docMk/>
-            <pc:sldMk cId="1726126687" sldId="291"/>
-            <ac:spMk id="88" creationId="{F78337E3-EAAB-469B-AAFA-941133180B34}"/>
-          </ac:spMkLst>
-        </pc:spChg>
-        <pc:spChg chg="add mod">
-          <ac:chgData name="Rafael C." userId="ffa83960b425c528" providerId="LiveId" clId="{D5A872B8-313C-4215-B87E-B7B88119E156}" dt="2018-10-08T04:40:36.064" v="763" actId="164"/>
-          <ac:spMkLst>
-            <pc:docMk/>
-            <pc:sldMk cId="1726126687" sldId="291"/>
-            <ac:spMk id="89" creationId="{AF39B14B-D9B9-42A8-9CAD-4A6E7FCF1F29}"/>
-          </ac:spMkLst>
-        </pc:spChg>
-        <pc:spChg chg="add mod">
-          <ac:chgData name="Rafael C." userId="ffa83960b425c528" providerId="LiveId" clId="{D5A872B8-313C-4215-B87E-B7B88119E156}" dt="2018-10-08T04:40:36.064" v="763" actId="164"/>
-          <ac:spMkLst>
-            <pc:docMk/>
-            <pc:sldMk cId="1726126687" sldId="291"/>
-            <ac:spMk id="90" creationId="{13F17485-E895-47CF-82D1-0FC106D492AF}"/>
-          </ac:spMkLst>
-        </pc:spChg>
-        <pc:spChg chg="add mod">
-          <ac:chgData name="Rafael C." userId="ffa83960b425c528" providerId="LiveId" clId="{D5A872B8-313C-4215-B87E-B7B88119E156}" dt="2018-10-08T04:40:36.064" v="763" actId="164"/>
-          <ac:spMkLst>
-            <pc:docMk/>
-            <pc:sldMk cId="1726126687" sldId="291"/>
-            <ac:spMk id="91" creationId="{6978CC64-0FE0-4259-9F05-32B3E3AEC313}"/>
-          </ac:spMkLst>
-        </pc:spChg>
-        <pc:spChg chg="add mod">
-          <ac:chgData name="Rafael C." userId="ffa83960b425c528" providerId="LiveId" clId="{D5A872B8-313C-4215-B87E-B7B88119E156}" dt="2018-10-08T04:40:36.064" v="763" actId="164"/>
-          <ac:spMkLst>
-            <pc:docMk/>
-            <pc:sldMk cId="1726126687" sldId="291"/>
-            <ac:spMk id="92" creationId="{4EA43D2F-AA8D-42AF-B853-98055FD78172}"/>
-          </ac:spMkLst>
-        </pc:spChg>
-        <pc:spChg chg="add mod">
-          <ac:chgData name="Rafael C." userId="ffa83960b425c528" providerId="LiveId" clId="{D5A872B8-313C-4215-B87E-B7B88119E156}" dt="2018-10-08T04:40:36.064" v="763" actId="164"/>
-          <ac:spMkLst>
-            <pc:docMk/>
-            <pc:sldMk cId="1726126687" sldId="291"/>
-            <ac:spMk id="93" creationId="{895BE2F6-F47A-46B8-841C-89BCA576B653}"/>
-          </ac:spMkLst>
-        </pc:spChg>
-        <pc:spChg chg="add mod">
-          <ac:chgData name="Rafael C." userId="ffa83960b425c528" providerId="LiveId" clId="{D5A872B8-313C-4215-B87E-B7B88119E156}" dt="2018-10-08T04:40:36.064" v="763" actId="164"/>
-          <ac:spMkLst>
-            <pc:docMk/>
-            <pc:sldMk cId="1726126687" sldId="291"/>
-            <ac:spMk id="94" creationId="{C5145F76-155C-4563-B394-8B37B54C2870}"/>
-          </ac:spMkLst>
-        </pc:spChg>
-        <pc:spChg chg="add mod">
-          <ac:chgData name="Rafael C." userId="ffa83960b425c528" providerId="LiveId" clId="{D5A872B8-313C-4215-B87E-B7B88119E156}" dt="2018-10-08T04:40:36.064" v="763" actId="164"/>
-          <ac:spMkLst>
-            <pc:docMk/>
-            <pc:sldMk cId="1726126687" sldId="291"/>
-            <ac:spMk id="95" creationId="{52EB8014-2C13-4C85-88D1-5C141D646DFC}"/>
-          </ac:spMkLst>
-        </pc:spChg>
-        <pc:spChg chg="add mod">
-          <ac:chgData name="Rafael C." userId="ffa83960b425c528" providerId="LiveId" clId="{D5A872B8-313C-4215-B87E-B7B88119E156}" dt="2018-10-08T04:40:36.064" v="763" actId="164"/>
-          <ac:spMkLst>
-            <pc:docMk/>
-            <pc:sldMk cId="1726126687" sldId="291"/>
-            <ac:spMk id="96" creationId="{EFF0B62E-E048-4AF6-A4B5-52FDFE1007F0}"/>
-          </ac:spMkLst>
-        </pc:spChg>
-        <pc:grpChg chg="add mod">
-          <ac:chgData name="Rafael C." userId="ffa83960b425c528" providerId="LiveId" clId="{D5A872B8-313C-4215-B87E-B7B88119E156}" dt="2018-10-08T04:40:40.692" v="766" actId="1076"/>
-          <ac:grpSpMkLst>
-            <pc:docMk/>
-            <pc:sldMk cId="1726126687" sldId="291"/>
-            <ac:grpSpMk id="2" creationId="{780618AE-A666-4D5D-BAB9-BF23EFB95250}"/>
-          </ac:grpSpMkLst>
-        </pc:grpChg>
-        <pc:grpChg chg="del">
-          <ac:chgData name="Rafael C." userId="ffa83960b425c528" providerId="LiveId" clId="{D5A872B8-313C-4215-B87E-B7B88119E156}" dt="2018-10-08T04:40:23.670" v="759" actId="478"/>
-          <ac:grpSpMkLst>
-            <pc:docMk/>
-            <pc:sldMk cId="1726126687" sldId="291"/>
-            <ac:grpSpMk id="3" creationId="{E54C5CAA-3F81-4AC7-9DA4-1117ACF79178}"/>
-          </ac:grpSpMkLst>
-        </pc:grpChg>
-      </pc:sldChg>
-      <pc:sldChg chg="addSp delSp modSp add">
-        <pc:chgData name="Rafael C." userId="ffa83960b425c528" providerId="LiveId" clId="{D5A872B8-313C-4215-B87E-B7B88119E156}" dt="2018-10-08T04:41:54.769" v="842" actId="20577"/>
-        <pc:sldMkLst>
-          <pc:docMk/>
-          <pc:sldMk cId="3994721824" sldId="292"/>
-        </pc:sldMkLst>
-        <pc:spChg chg="mod">
-          <ac:chgData name="Rafael C." userId="ffa83960b425c528" providerId="LiveId" clId="{D5A872B8-313C-4215-B87E-B7B88119E156}" dt="2018-10-08T04:41:54.769" v="842" actId="20577"/>
-          <ac:spMkLst>
-            <pc:docMk/>
-            <pc:sldMk cId="3994721824" sldId="292"/>
-            <ac:spMk id="4" creationId="{47BF13C9-597F-4101-B226-A0C8AB06CB95}"/>
-          </ac:spMkLst>
-        </pc:spChg>
-        <pc:spChg chg="mod">
-          <ac:chgData name="Rafael C." userId="ffa83960b425c528" providerId="LiveId" clId="{D5A872B8-313C-4215-B87E-B7B88119E156}" dt="2018-10-08T04:41:41.714" v="818" actId="1076"/>
-          <ac:spMkLst>
-            <pc:docMk/>
-            <pc:sldMk cId="3994721824" sldId="292"/>
-            <ac:spMk id="5" creationId="{EC9A45E1-1B10-4959-A23C-8023AD14133C}"/>
-          </ac:spMkLst>
-        </pc:spChg>
-        <pc:spChg chg="add mod">
-          <ac:chgData name="Rafael C." userId="ffa83960b425c528" providerId="LiveId" clId="{D5A872B8-313C-4215-B87E-B7B88119E156}" dt="2018-10-08T04:41:39.937" v="816" actId="164"/>
-          <ac:spMkLst>
-            <pc:docMk/>
-            <pc:sldMk cId="3994721824" sldId="292"/>
-            <ac:spMk id="30" creationId="{7512576B-1252-45D6-94B5-692B90F3560B}"/>
-          </ac:spMkLst>
-        </pc:spChg>
-        <pc:spChg chg="add mod">
-          <ac:chgData name="Rafael C." userId="ffa83960b425c528" providerId="LiveId" clId="{D5A872B8-313C-4215-B87E-B7B88119E156}" dt="2018-10-08T04:41:39.937" v="816" actId="164"/>
-          <ac:spMkLst>
-            <pc:docMk/>
-            <pc:sldMk cId="3994721824" sldId="292"/>
-            <ac:spMk id="31" creationId="{FA398767-9F79-4B9C-94F2-234586637C0F}"/>
-          </ac:spMkLst>
-        </pc:spChg>
-        <pc:spChg chg="add mod">
-          <ac:chgData name="Rafael C." userId="ffa83960b425c528" providerId="LiveId" clId="{D5A872B8-313C-4215-B87E-B7B88119E156}" dt="2018-10-08T04:41:39.937" v="816" actId="164"/>
-          <ac:spMkLst>
-            <pc:docMk/>
-            <pc:sldMk cId="3994721824" sldId="292"/>
-            <ac:spMk id="32" creationId="{241B2983-F304-4AE6-8A15-CCC683704F17}"/>
-          </ac:spMkLst>
-        </pc:spChg>
-        <pc:spChg chg="add mod">
-          <ac:chgData name="Rafael C." userId="ffa83960b425c528" providerId="LiveId" clId="{D5A872B8-313C-4215-B87E-B7B88119E156}" dt="2018-10-08T04:41:39.937" v="816" actId="164"/>
-          <ac:spMkLst>
-            <pc:docMk/>
-            <pc:sldMk cId="3994721824" sldId="292"/>
-            <ac:spMk id="33" creationId="{F21C8E08-02F4-49FD-AA46-DAA1E87FE51E}"/>
-          </ac:spMkLst>
-        </pc:spChg>
-        <pc:spChg chg="add mod">
-          <ac:chgData name="Rafael C." userId="ffa83960b425c528" providerId="LiveId" clId="{D5A872B8-313C-4215-B87E-B7B88119E156}" dt="2018-10-08T04:41:39.937" v="816" actId="164"/>
-          <ac:spMkLst>
-            <pc:docMk/>
-            <pc:sldMk cId="3994721824" sldId="292"/>
-            <ac:spMk id="34" creationId="{E2AA70C3-72C3-4762-83B0-D6D804314123}"/>
-          </ac:spMkLst>
-        </pc:spChg>
-        <pc:spChg chg="add mod">
-          <ac:chgData name="Rafael C." userId="ffa83960b425c528" providerId="LiveId" clId="{D5A872B8-313C-4215-B87E-B7B88119E156}" dt="2018-10-08T04:41:39.937" v="816" actId="164"/>
-          <ac:spMkLst>
-            <pc:docMk/>
-            <pc:sldMk cId="3994721824" sldId="292"/>
-            <ac:spMk id="35" creationId="{C9593A02-6A62-461E-915F-545787D9345E}"/>
-          </ac:spMkLst>
-        </pc:spChg>
-        <pc:spChg chg="add mod">
-          <ac:chgData name="Rafael C." userId="ffa83960b425c528" providerId="LiveId" clId="{D5A872B8-313C-4215-B87E-B7B88119E156}" dt="2018-10-08T04:41:39.937" v="816" actId="164"/>
-          <ac:spMkLst>
-            <pc:docMk/>
-            <pc:sldMk cId="3994721824" sldId="292"/>
-            <ac:spMk id="36" creationId="{B6DDA7B0-BE70-4313-AE4B-81D35F92D597}"/>
-          </ac:spMkLst>
-        </pc:spChg>
-        <pc:spChg chg="add mod">
-          <ac:chgData name="Rafael C." userId="ffa83960b425c528" providerId="LiveId" clId="{D5A872B8-313C-4215-B87E-B7B88119E156}" dt="2018-10-08T04:41:39.937" v="816" actId="164"/>
-          <ac:spMkLst>
-            <pc:docMk/>
-            <pc:sldMk cId="3994721824" sldId="292"/>
-            <ac:spMk id="37" creationId="{846679E6-FDF5-426B-BEE3-3E90C855C2BA}"/>
-          </ac:spMkLst>
-        </pc:spChg>
-        <pc:spChg chg="add mod">
-          <ac:chgData name="Rafael C." userId="ffa83960b425c528" providerId="LiveId" clId="{D5A872B8-313C-4215-B87E-B7B88119E156}" dt="2018-10-08T04:41:39.937" v="816" actId="164"/>
-          <ac:spMkLst>
-            <pc:docMk/>
-            <pc:sldMk cId="3994721824" sldId="292"/>
-            <ac:spMk id="38" creationId="{4BFB2DC1-79B4-4820-83D4-C5211C37B6EB}"/>
-          </ac:spMkLst>
-        </pc:spChg>
-        <pc:spChg chg="add mod">
-          <ac:chgData name="Rafael C." userId="ffa83960b425c528" providerId="LiveId" clId="{D5A872B8-313C-4215-B87E-B7B88119E156}" dt="2018-10-08T04:41:39.937" v="816" actId="164"/>
-          <ac:spMkLst>
-            <pc:docMk/>
-            <pc:sldMk cId="3994721824" sldId="292"/>
-            <ac:spMk id="39" creationId="{F3FF6526-DBA0-46E8-AF3A-61752DD6B39C}"/>
-          </ac:spMkLst>
-        </pc:spChg>
-        <pc:spChg chg="add mod">
-          <ac:chgData name="Rafael C." userId="ffa83960b425c528" providerId="LiveId" clId="{D5A872B8-313C-4215-B87E-B7B88119E156}" dt="2018-10-08T04:41:39.937" v="816" actId="164"/>
-          <ac:spMkLst>
-            <pc:docMk/>
-            <pc:sldMk cId="3994721824" sldId="292"/>
-            <ac:spMk id="40" creationId="{FFBF2C2B-37D8-46F0-8DB2-F0229E3F74D4}"/>
-          </ac:spMkLst>
-        </pc:spChg>
-        <pc:spChg chg="add mod">
-          <ac:chgData name="Rafael C." userId="ffa83960b425c528" providerId="LiveId" clId="{D5A872B8-313C-4215-B87E-B7B88119E156}" dt="2018-10-08T04:41:39.937" v="816" actId="164"/>
-          <ac:spMkLst>
-            <pc:docMk/>
-            <pc:sldMk cId="3994721824" sldId="292"/>
-            <ac:spMk id="41" creationId="{003CC8C5-43DE-4403-AAB0-9AE5A77B1A1C}"/>
-          </ac:spMkLst>
-        </pc:spChg>
-        <pc:spChg chg="add mod">
-          <ac:chgData name="Rafael C." userId="ffa83960b425c528" providerId="LiveId" clId="{D5A872B8-313C-4215-B87E-B7B88119E156}" dt="2018-10-08T04:41:39.937" v="816" actId="164"/>
-          <ac:spMkLst>
-            <pc:docMk/>
-            <pc:sldMk cId="3994721824" sldId="292"/>
-            <ac:spMk id="42" creationId="{E4CB5AD8-4FAD-4481-A4EE-6EB5BF50CC38}"/>
-          </ac:spMkLst>
-        </pc:spChg>
-        <pc:spChg chg="add mod">
-          <ac:chgData name="Rafael C." userId="ffa83960b425c528" providerId="LiveId" clId="{D5A872B8-313C-4215-B87E-B7B88119E156}" dt="2018-10-08T04:41:39.937" v="816" actId="164"/>
-          <ac:spMkLst>
-            <pc:docMk/>
-            <pc:sldMk cId="3994721824" sldId="292"/>
-            <ac:spMk id="43" creationId="{0BF72856-B910-4935-8B3A-939DABDD4716}"/>
-          </ac:spMkLst>
-        </pc:spChg>
-        <pc:spChg chg="add mod">
-          <ac:chgData name="Rafael C." userId="ffa83960b425c528" providerId="LiveId" clId="{D5A872B8-313C-4215-B87E-B7B88119E156}" dt="2018-10-08T04:41:39.937" v="816" actId="164"/>
-          <ac:spMkLst>
-            <pc:docMk/>
-            <pc:sldMk cId="3994721824" sldId="292"/>
-            <ac:spMk id="44" creationId="{94666191-6DFB-467B-9147-0583E6FA4F57}"/>
-          </ac:spMkLst>
-        </pc:spChg>
-        <pc:spChg chg="add mod">
-          <ac:chgData name="Rafael C." userId="ffa83960b425c528" providerId="LiveId" clId="{D5A872B8-313C-4215-B87E-B7B88119E156}" dt="2018-10-08T04:41:39.937" v="816" actId="164"/>
-          <ac:spMkLst>
-            <pc:docMk/>
-            <pc:sldMk cId="3994721824" sldId="292"/>
-            <ac:spMk id="45" creationId="{BD8A21F4-245D-47CA-980D-A88D6CD4FA9E}"/>
-          </ac:spMkLst>
-        </pc:spChg>
-        <pc:spChg chg="add mod">
-          <ac:chgData name="Rafael C." userId="ffa83960b425c528" providerId="LiveId" clId="{D5A872B8-313C-4215-B87E-B7B88119E156}" dt="2018-10-08T04:41:39.937" v="816" actId="164"/>
-          <ac:spMkLst>
-            <pc:docMk/>
-            <pc:sldMk cId="3994721824" sldId="292"/>
-            <ac:spMk id="46" creationId="{D0CD0188-88B7-4E42-ABF2-C482A928D0AF}"/>
-          </ac:spMkLst>
-        </pc:spChg>
-        <pc:spChg chg="add mod">
-          <ac:chgData name="Rafael C." userId="ffa83960b425c528" providerId="LiveId" clId="{D5A872B8-313C-4215-B87E-B7B88119E156}" dt="2018-10-08T04:41:39.937" v="816" actId="164"/>
-          <ac:spMkLst>
-            <pc:docMk/>
-            <pc:sldMk cId="3994721824" sldId="292"/>
-            <ac:spMk id="47" creationId="{9B4CF625-F056-4C3D-911E-6C8FE9D42EFB}"/>
-          </ac:spMkLst>
-        </pc:spChg>
-        <pc:spChg chg="add mod">
-          <ac:chgData name="Rafael C." userId="ffa83960b425c528" providerId="LiveId" clId="{D5A872B8-313C-4215-B87E-B7B88119E156}" dt="2018-10-08T04:41:39.937" v="816" actId="164"/>
-          <ac:spMkLst>
-            <pc:docMk/>
-            <pc:sldMk cId="3994721824" sldId="292"/>
-            <ac:spMk id="48" creationId="{D8222F13-82BC-4287-9F6D-745C14A46F33}"/>
-          </ac:spMkLst>
-        </pc:spChg>
-        <pc:spChg chg="add mod">
-          <ac:chgData name="Rafael C." userId="ffa83960b425c528" providerId="LiveId" clId="{D5A872B8-313C-4215-B87E-B7B88119E156}" dt="2018-10-08T04:41:39.937" v="816" actId="164"/>
-          <ac:spMkLst>
-            <pc:docMk/>
-            <pc:sldMk cId="3994721824" sldId="292"/>
-            <ac:spMk id="49" creationId="{9E563E90-690F-40AA-8B2D-E0E0FB272FBF}"/>
-          </ac:spMkLst>
-        </pc:spChg>
-        <pc:spChg chg="add mod">
-          <ac:chgData name="Rafael C." userId="ffa83960b425c528" providerId="LiveId" clId="{D5A872B8-313C-4215-B87E-B7B88119E156}" dt="2018-10-08T04:41:39.937" v="816" actId="164"/>
-          <ac:spMkLst>
-            <pc:docMk/>
-            <pc:sldMk cId="3994721824" sldId="292"/>
-            <ac:spMk id="50" creationId="{9E1CFAB3-B458-40BD-8A6F-3CAF0668E8CA}"/>
-          </ac:spMkLst>
-        </pc:spChg>
-        <pc:spChg chg="add mod">
-          <ac:chgData name="Rafael C." userId="ffa83960b425c528" providerId="LiveId" clId="{D5A872B8-313C-4215-B87E-B7B88119E156}" dt="2018-10-08T04:41:39.937" v="816" actId="164"/>
-          <ac:spMkLst>
-            <pc:docMk/>
-            <pc:sldMk cId="3994721824" sldId="292"/>
-            <ac:spMk id="51" creationId="{F11FE3F3-C9B5-4F5B-9617-3A9107B332F4}"/>
-          </ac:spMkLst>
-        </pc:spChg>
-        <pc:spChg chg="add mod">
-          <ac:chgData name="Rafael C." userId="ffa83960b425c528" providerId="LiveId" clId="{D5A872B8-313C-4215-B87E-B7B88119E156}" dt="2018-10-08T04:41:39.937" v="816" actId="164"/>
-          <ac:spMkLst>
-            <pc:docMk/>
-            <pc:sldMk cId="3994721824" sldId="292"/>
-            <ac:spMk id="52" creationId="{A7D94B34-278D-4FE1-924A-9EED664BA372}"/>
-          </ac:spMkLst>
-        </pc:spChg>
-        <pc:spChg chg="add mod">
-          <ac:chgData name="Rafael C." userId="ffa83960b425c528" providerId="LiveId" clId="{D5A872B8-313C-4215-B87E-B7B88119E156}" dt="2018-10-08T04:41:39.937" v="816" actId="164"/>
-          <ac:spMkLst>
-            <pc:docMk/>
-            <pc:sldMk cId="3994721824" sldId="292"/>
-            <ac:spMk id="53" creationId="{88E2214B-E818-4F87-AB8F-AC66206D150F}"/>
-          </ac:spMkLst>
-        </pc:spChg>
-        <pc:spChg chg="add mod">
-          <ac:chgData name="Rafael C." userId="ffa83960b425c528" providerId="LiveId" clId="{D5A872B8-313C-4215-B87E-B7B88119E156}" dt="2018-10-08T04:41:39.937" v="816" actId="164"/>
-          <ac:spMkLst>
-            <pc:docMk/>
-            <pc:sldMk cId="3994721824" sldId="292"/>
-            <ac:spMk id="54" creationId="{907199BA-9D3D-4891-A6C8-69BC59AB2343}"/>
-          </ac:spMkLst>
-        </pc:spChg>
-        <pc:spChg chg="add mod">
-          <ac:chgData name="Rafael C." userId="ffa83960b425c528" providerId="LiveId" clId="{D5A872B8-313C-4215-B87E-B7B88119E156}" dt="2018-10-08T04:41:39.937" v="816" actId="164"/>
-          <ac:spMkLst>
-            <pc:docMk/>
-            <pc:sldMk cId="3994721824" sldId="292"/>
-            <ac:spMk id="55" creationId="{0AC0EA08-81AF-4DCE-8E2F-FBA2DAA40369}"/>
-          </ac:spMkLst>
-        </pc:spChg>
-        <pc:spChg chg="add mod">
-          <ac:chgData name="Rafael C." userId="ffa83960b425c528" providerId="LiveId" clId="{D5A872B8-313C-4215-B87E-B7B88119E156}" dt="2018-10-08T04:41:39.937" v="816" actId="164"/>
-          <ac:spMkLst>
-            <pc:docMk/>
-            <pc:sldMk cId="3994721824" sldId="292"/>
-            <ac:spMk id="56" creationId="{3E7C46A6-F04F-458B-A488-1318DCBCF2D9}"/>
-          </ac:spMkLst>
-        </pc:spChg>
-        <pc:spChg chg="add mod">
-          <ac:chgData name="Rafael C." userId="ffa83960b425c528" providerId="LiveId" clId="{D5A872B8-313C-4215-B87E-B7B88119E156}" dt="2018-10-08T04:41:39.937" v="816" actId="164"/>
-          <ac:spMkLst>
-            <pc:docMk/>
-            <pc:sldMk cId="3994721824" sldId="292"/>
-            <ac:spMk id="57" creationId="{97F7DB39-A3CB-42BC-AA6D-F3BF1EF335C3}"/>
-          </ac:spMkLst>
-        </pc:spChg>
-        <pc:grpChg chg="del">
-          <ac:chgData name="Rafael C." userId="ffa83960b425c528" providerId="LiveId" clId="{D5A872B8-313C-4215-B87E-B7B88119E156}" dt="2018-10-08T04:41:34.287" v="814" actId="478"/>
-          <ac:grpSpMkLst>
-            <pc:docMk/>
-            <pc:sldMk cId="3994721824" sldId="292"/>
-            <ac:grpSpMk id="2" creationId="{780618AE-A666-4D5D-BAB9-BF23EFB95250}"/>
-          </ac:grpSpMkLst>
-        </pc:grpChg>
-        <pc:grpChg chg="add mod">
-          <ac:chgData name="Rafael C." userId="ffa83960b425c528" providerId="LiveId" clId="{D5A872B8-313C-4215-B87E-B7B88119E156}" dt="2018-10-08T04:41:45.894" v="819" actId="1076"/>
-          <ac:grpSpMkLst>
-            <pc:docMk/>
-            <pc:sldMk cId="3994721824" sldId="292"/>
-            <ac:grpSpMk id="3" creationId="{CC0D894E-6290-404A-B640-D6F3A3AB34DB}"/>
-          </ac:grpSpMkLst>
-        </pc:grpChg>
-      </pc:sldChg>
-      <pc:sldChg chg="modSp add ord">
-        <pc:chgData name="Rafael C." userId="ffa83960b425c528" providerId="LiveId" clId="{D5A872B8-313C-4215-B87E-B7B88119E156}" dt="2018-10-08T04:45:04.162" v="957" actId="20577"/>
-        <pc:sldMkLst>
-          <pc:docMk/>
-          <pc:sldMk cId="166998213" sldId="293"/>
-        </pc:sldMkLst>
-        <pc:spChg chg="mod">
-          <ac:chgData name="Rafael C." userId="ffa83960b425c528" providerId="LiveId" clId="{D5A872B8-313C-4215-B87E-B7B88119E156}" dt="2018-10-08T04:43:41.663" v="887" actId="20577"/>
-          <ac:spMkLst>
-            <pc:docMk/>
-            <pc:sldMk cId="166998213" sldId="293"/>
-            <ac:spMk id="4" creationId="{47BF13C9-597F-4101-B226-A0C8AB06CB95}"/>
-          </ac:spMkLst>
-        </pc:spChg>
-        <pc:spChg chg="mod">
-          <ac:chgData name="Rafael C." userId="ffa83960b425c528" providerId="LiveId" clId="{D5A872B8-313C-4215-B87E-B7B88119E156}" dt="2018-10-08T04:45:04.162" v="957" actId="20577"/>
-          <ac:spMkLst>
-            <pc:docMk/>
-            <pc:sldMk cId="166998213" sldId="293"/>
-            <ac:spMk id="5" creationId="{EC9A45E1-1B10-4959-A23C-8023AD14133C}"/>
-          </ac:spMkLst>
-        </pc:spChg>
-      </pc:sldChg>
-      <pc:sldChg chg="modSp add">
-        <pc:chgData name="Rafael C." userId="ffa83960b425c528" providerId="LiveId" clId="{D5A872B8-313C-4215-B87E-B7B88119E156}" dt="2018-10-08T04:47:14.856" v="1067" actId="20577"/>
-        <pc:sldMkLst>
-          <pc:docMk/>
-          <pc:sldMk cId="2172126912" sldId="294"/>
-        </pc:sldMkLst>
-        <pc:spChg chg="mod">
-          <ac:chgData name="Rafael C." userId="ffa83960b425c528" providerId="LiveId" clId="{D5A872B8-313C-4215-B87E-B7B88119E156}" dt="2018-10-08T04:46:51.853" v="988" actId="20577"/>
-          <ac:spMkLst>
-            <pc:docMk/>
-            <pc:sldMk cId="2172126912" sldId="294"/>
-            <ac:spMk id="4" creationId="{47BF13C9-597F-4101-B226-A0C8AB06CB95}"/>
-          </ac:spMkLst>
-        </pc:spChg>
-        <pc:spChg chg="mod">
-          <ac:chgData name="Rafael C." userId="ffa83960b425c528" providerId="LiveId" clId="{D5A872B8-313C-4215-B87E-B7B88119E156}" dt="2018-10-08T04:47:14.856" v="1067" actId="20577"/>
-          <ac:spMkLst>
-            <pc:docMk/>
-            <pc:sldMk cId="2172126912" sldId="294"/>
-            <ac:spMk id="5" creationId="{EC9A45E1-1B10-4959-A23C-8023AD14133C}"/>
-          </ac:spMkLst>
-        </pc:spChg>
-      </pc:sldChg>
-      <pc:sldChg chg="modSp add ord">
-        <pc:chgData name="Rafael C." userId="ffa83960b425c528" providerId="LiveId" clId="{D5A872B8-313C-4215-B87E-B7B88119E156}" dt="2018-10-08T04:48:20.325" v="1097" actId="20577"/>
-        <pc:sldMkLst>
-          <pc:docMk/>
-          <pc:sldMk cId="3784948331" sldId="295"/>
-        </pc:sldMkLst>
-        <pc:spChg chg="mod">
-          <ac:chgData name="Rafael C." userId="ffa83960b425c528" providerId="LiveId" clId="{D5A872B8-313C-4215-B87E-B7B88119E156}" dt="2018-10-08T04:48:06.263" v="1094" actId="20577"/>
-          <ac:spMkLst>
-            <pc:docMk/>
-            <pc:sldMk cId="3784948331" sldId="295"/>
-            <ac:spMk id="4" creationId="{47BF13C9-597F-4101-B226-A0C8AB06CB95}"/>
-          </ac:spMkLst>
-        </pc:spChg>
-        <pc:spChg chg="mod">
-          <ac:chgData name="Rafael C." userId="ffa83960b425c528" providerId="LiveId" clId="{D5A872B8-313C-4215-B87E-B7B88119E156}" dt="2018-10-08T04:48:20.325" v="1097" actId="20577"/>
-          <ac:spMkLst>
-            <pc:docMk/>
-            <pc:sldMk cId="3784948331" sldId="295"/>
-            <ac:spMk id="5" creationId="{EC9A45E1-1B10-4959-A23C-8023AD14133C}"/>
-          </ac:spMkLst>
-        </pc:spChg>
-      </pc:sldChg>
-      <pc:sldChg chg="modSp add">
-        <pc:chgData name="Rafael C." userId="ffa83960b425c528" providerId="LiveId" clId="{D5A872B8-313C-4215-B87E-B7B88119E156}" dt="2018-10-08T04:49:29.162" v="1193" actId="20577"/>
-        <pc:sldMkLst>
-          <pc:docMk/>
-          <pc:sldMk cId="2738665502" sldId="296"/>
-        </pc:sldMkLst>
-        <pc:spChg chg="mod">
-          <ac:chgData name="Rafael C." userId="ffa83960b425c528" providerId="LiveId" clId="{D5A872B8-313C-4215-B87E-B7B88119E156}" dt="2018-10-08T04:48:43.411" v="1110" actId="20577"/>
-          <ac:spMkLst>
-            <pc:docMk/>
-            <pc:sldMk cId="2738665502" sldId="296"/>
-            <ac:spMk id="4" creationId="{47BF13C9-597F-4101-B226-A0C8AB06CB95}"/>
-          </ac:spMkLst>
-        </pc:spChg>
-        <pc:spChg chg="mod">
-          <ac:chgData name="Rafael C." userId="ffa83960b425c528" providerId="LiveId" clId="{D5A872B8-313C-4215-B87E-B7B88119E156}" dt="2018-10-08T04:49:29.162" v="1193" actId="20577"/>
-          <ac:spMkLst>
-            <pc:docMk/>
-            <pc:sldMk cId="2738665502" sldId="296"/>
-            <ac:spMk id="5" creationId="{EC9A45E1-1B10-4959-A23C-8023AD14133C}"/>
-          </ac:spMkLst>
-        </pc:spChg>
-      </pc:sldChg>
-      <pc:sldChg chg="addSp modSp add">
-        <pc:chgData name="Rafael C." userId="ffa83960b425c528" providerId="LiveId" clId="{D5A872B8-313C-4215-B87E-B7B88119E156}" dt="2018-10-08T04:49:55.930" v="1201" actId="1076"/>
-        <pc:sldMkLst>
-          <pc:docMk/>
-          <pc:sldMk cId="3863798184" sldId="297"/>
-        </pc:sldMkLst>
-        <pc:spChg chg="mod">
-          <ac:chgData name="Rafael C." userId="ffa83960b425c528" providerId="LiveId" clId="{D5A872B8-313C-4215-B87E-B7B88119E156}" dt="2018-10-08T04:49:46.890" v="1197" actId="14100"/>
-          <ac:spMkLst>
-            <pc:docMk/>
-            <pc:sldMk cId="3863798184" sldId="297"/>
-            <ac:spMk id="5" creationId="{EC9A45E1-1B10-4959-A23C-8023AD14133C}"/>
-          </ac:spMkLst>
-        </pc:spChg>
-        <pc:picChg chg="add mod">
-          <ac:chgData name="Rafael C." userId="ffa83960b425c528" providerId="LiveId" clId="{D5A872B8-313C-4215-B87E-B7B88119E156}" dt="2018-10-08T04:49:55.930" v="1201" actId="1076"/>
-          <ac:picMkLst>
-            <pc:docMk/>
-            <pc:sldMk cId="3863798184" sldId="297"/>
-            <ac:picMk id="6" creationId="{EDB8733F-C632-4E45-8C91-C43DB1D41BD5}"/>
+            <ac:picMk id="9220" creationId="{00000000-0000-0000-0000-000000000000}"/>
           </ac:picMkLst>
         </pc:picChg>
       </pc:sldChg>
-      <pc:sldChg chg="addSp delSp modSp add">
-        <pc:chgData name="Rafael C." userId="ffa83960b425c528" providerId="LiveId" clId="{D5A872B8-313C-4215-B87E-B7B88119E156}" dt="2018-10-08T04:50:19.009" v="1207" actId="1076"/>
-        <pc:sldMkLst>
-          <pc:docMk/>
-          <pc:sldMk cId="3364085171" sldId="298"/>
-        </pc:sldMkLst>
-        <pc:picChg chg="del">
-          <ac:chgData name="Rafael C." userId="ffa83960b425c528" providerId="LiveId" clId="{D5A872B8-313C-4215-B87E-B7B88119E156}" dt="2018-10-08T04:50:07.158" v="1203" actId="478"/>
-          <ac:picMkLst>
-            <pc:docMk/>
-            <pc:sldMk cId="3364085171" sldId="298"/>
-            <ac:picMk id="6" creationId="{EDB8733F-C632-4E45-8C91-C43DB1D41BD5}"/>
-          </ac:picMkLst>
-        </pc:picChg>
-        <pc:picChg chg="add mod">
-          <ac:chgData name="Rafael C." userId="ffa83960b425c528" providerId="LiveId" clId="{D5A872B8-313C-4215-B87E-B7B88119E156}" dt="2018-10-08T04:50:19.009" v="1207" actId="1076"/>
-          <ac:picMkLst>
-            <pc:docMk/>
-            <pc:sldMk cId="3364085171" sldId="298"/>
-            <ac:picMk id="7" creationId="{328AFE9D-C6CA-4723-99A3-0A9D547DFEB6}"/>
-          </ac:picMkLst>
-        </pc:picChg>
-      </pc:sldChg>
-      <pc:sldChg chg="addSp delSp modSp add">
-        <pc:chgData name="Rafael C." userId="ffa83960b425c528" providerId="LiveId" clId="{D5A872B8-313C-4215-B87E-B7B88119E156}" dt="2018-10-08T04:53:11.495" v="1281" actId="1076"/>
-        <pc:sldMkLst>
-          <pc:docMk/>
-          <pc:sldMk cId="3421419816" sldId="299"/>
-        </pc:sldMkLst>
-        <pc:spChg chg="mod">
-          <ac:chgData name="Rafael C." userId="ffa83960b425c528" providerId="LiveId" clId="{D5A872B8-313C-4215-B87E-B7B88119E156}" dt="2018-10-08T04:50:57.662" v="1250" actId="20577"/>
-          <ac:spMkLst>
-            <pc:docMk/>
-            <pc:sldMk cId="3421419816" sldId="299"/>
-            <ac:spMk id="4" creationId="{47BF13C9-597F-4101-B226-A0C8AB06CB95}"/>
-          </ac:spMkLst>
-        </pc:spChg>
-        <pc:spChg chg="mod">
-          <ac:chgData name="Rafael C." userId="ffa83960b425c528" providerId="LiveId" clId="{D5A872B8-313C-4215-B87E-B7B88119E156}" dt="2018-10-08T04:51:44.079" v="1258" actId="1076"/>
-          <ac:spMkLst>
-            <pc:docMk/>
-            <pc:sldMk cId="3421419816" sldId="299"/>
-            <ac:spMk id="5" creationId="{EC9A45E1-1B10-4959-A23C-8023AD14133C}"/>
-          </ac:spMkLst>
-        </pc:spChg>
-        <pc:spChg chg="add del">
-          <ac:chgData name="Rafael C." userId="ffa83960b425c528" providerId="LiveId" clId="{D5A872B8-313C-4215-B87E-B7B88119E156}" dt="2018-10-08T04:51:19.021" v="1253"/>
-          <ac:spMkLst>
-            <pc:docMk/>
-            <pc:sldMk cId="3421419816" sldId="299"/>
-            <ac:spMk id="6" creationId="{2106193B-E2C1-403F-AF91-54B12A22270A}"/>
-          </ac:spMkLst>
-        </pc:spChg>
-        <pc:spChg chg="add del">
-          <ac:chgData name="Rafael C." userId="ffa83960b425c528" providerId="LiveId" clId="{D5A872B8-313C-4215-B87E-B7B88119E156}" dt="2018-10-08T04:51:19.021" v="1253"/>
-          <ac:spMkLst>
-            <pc:docMk/>
-            <pc:sldMk cId="3421419816" sldId="299"/>
-            <ac:spMk id="8" creationId="{1502AA3B-5346-4F91-AD6C-49E5E80EA683}"/>
-          </ac:spMkLst>
-        </pc:spChg>
-        <pc:spChg chg="add del">
-          <ac:chgData name="Rafael C." userId="ffa83960b425c528" providerId="LiveId" clId="{D5A872B8-313C-4215-B87E-B7B88119E156}" dt="2018-10-08T04:51:19.021" v="1253"/>
-          <ac:spMkLst>
-            <pc:docMk/>
-            <pc:sldMk cId="3421419816" sldId="299"/>
-            <ac:spMk id="9" creationId="{E341D46B-3865-4E0D-AB5D-B1898DACD6C4}"/>
-          </ac:spMkLst>
-        </pc:spChg>
-        <pc:spChg chg="add del">
-          <ac:chgData name="Rafael C." userId="ffa83960b425c528" providerId="LiveId" clId="{D5A872B8-313C-4215-B87E-B7B88119E156}" dt="2018-10-08T04:51:19.021" v="1253"/>
-          <ac:spMkLst>
-            <pc:docMk/>
-            <pc:sldMk cId="3421419816" sldId="299"/>
-            <ac:spMk id="10" creationId="{767D6088-C58C-41B3-B83B-BFC621A5B788}"/>
-          </ac:spMkLst>
-        </pc:spChg>
-        <pc:spChg chg="add del">
-          <ac:chgData name="Rafael C." userId="ffa83960b425c528" providerId="LiveId" clId="{D5A872B8-313C-4215-B87E-B7B88119E156}" dt="2018-10-08T04:51:19.021" v="1253"/>
-          <ac:spMkLst>
-            <pc:docMk/>
-            <pc:sldMk cId="3421419816" sldId="299"/>
-            <ac:spMk id="11" creationId="{3568CA63-A34C-42B7-8011-51BFD970E763}"/>
-          </ac:spMkLst>
-        </pc:spChg>
-        <pc:spChg chg="add del">
-          <ac:chgData name="Rafael C." userId="ffa83960b425c528" providerId="LiveId" clId="{D5A872B8-313C-4215-B87E-B7B88119E156}" dt="2018-10-08T04:51:19.021" v="1253"/>
-          <ac:spMkLst>
-            <pc:docMk/>
-            <pc:sldMk cId="3421419816" sldId="299"/>
-            <ac:spMk id="12" creationId="{CD8615AA-C94B-495F-B1AC-712F40985793}"/>
-          </ac:spMkLst>
-        </pc:spChg>
-        <pc:spChg chg="add del">
-          <ac:chgData name="Rafael C." userId="ffa83960b425c528" providerId="LiveId" clId="{D5A872B8-313C-4215-B87E-B7B88119E156}" dt="2018-10-08T04:51:25.348" v="1255"/>
-          <ac:spMkLst>
-            <pc:docMk/>
-            <pc:sldMk cId="3421419816" sldId="299"/>
-            <ac:spMk id="17" creationId="{254171F0-9007-4C12-9CE7-DB8562B71660}"/>
-          </ac:spMkLst>
-        </pc:spChg>
-        <pc:spChg chg="add del">
-          <ac:chgData name="Rafael C." userId="ffa83960b425c528" providerId="LiveId" clId="{D5A872B8-313C-4215-B87E-B7B88119E156}" dt="2018-10-08T04:51:25.348" v="1255"/>
-          <ac:spMkLst>
-            <pc:docMk/>
-            <pc:sldMk cId="3421419816" sldId="299"/>
-            <ac:spMk id="18" creationId="{665192B6-D669-40BB-AB00-C949E1DD9D0E}"/>
-          </ac:spMkLst>
-        </pc:spChg>
-        <pc:spChg chg="add del">
-          <ac:chgData name="Rafael C." userId="ffa83960b425c528" providerId="LiveId" clId="{D5A872B8-313C-4215-B87E-B7B88119E156}" dt="2018-10-08T04:51:25.348" v="1255"/>
-          <ac:spMkLst>
-            <pc:docMk/>
-            <pc:sldMk cId="3421419816" sldId="299"/>
-            <ac:spMk id="19" creationId="{39795EB8-A06D-444B-BD95-0F29A2864B15}"/>
-          </ac:spMkLst>
-        </pc:spChg>
-        <pc:spChg chg="add del">
-          <ac:chgData name="Rafael C." userId="ffa83960b425c528" providerId="LiveId" clId="{D5A872B8-313C-4215-B87E-B7B88119E156}" dt="2018-10-08T04:51:25.348" v="1255"/>
-          <ac:spMkLst>
-            <pc:docMk/>
-            <pc:sldMk cId="3421419816" sldId="299"/>
-            <ac:spMk id="20" creationId="{FC468D4F-C65F-4F5E-8C9A-365E969B2136}"/>
-          </ac:spMkLst>
-        </pc:spChg>
-        <pc:spChg chg="add del">
-          <ac:chgData name="Rafael C." userId="ffa83960b425c528" providerId="LiveId" clId="{D5A872B8-313C-4215-B87E-B7B88119E156}" dt="2018-10-08T04:51:25.348" v="1255"/>
-          <ac:spMkLst>
-            <pc:docMk/>
-            <pc:sldMk cId="3421419816" sldId="299"/>
-            <ac:spMk id="21" creationId="{EA4BA1FF-0F0C-4595-BD78-F689D5ECFB43}"/>
-          </ac:spMkLst>
-        </pc:spChg>
-        <pc:spChg chg="add del">
-          <ac:chgData name="Rafael C." userId="ffa83960b425c528" providerId="LiveId" clId="{D5A872B8-313C-4215-B87E-B7B88119E156}" dt="2018-10-08T04:51:25.348" v="1255"/>
-          <ac:spMkLst>
-            <pc:docMk/>
-            <pc:sldMk cId="3421419816" sldId="299"/>
-            <ac:spMk id="22" creationId="{B1B005BF-7AC9-43E8-9F67-0AC548712422}"/>
-          </ac:spMkLst>
-        </pc:spChg>
-        <pc:spChg chg="add del mod">
-          <ac:chgData name="Rafael C." userId="ffa83960b425c528" providerId="LiveId" clId="{D5A872B8-313C-4215-B87E-B7B88119E156}" dt="2018-10-08T04:52:45.640" v="1275"/>
-          <ac:spMkLst>
-            <pc:docMk/>
-            <pc:sldMk cId="3421419816" sldId="299"/>
-            <ac:spMk id="27" creationId="{5CDE1A2E-473E-4692-8C3C-5D92237B6857}"/>
-          </ac:spMkLst>
-        </pc:spChg>
-        <pc:spChg chg="add del mod">
-          <ac:chgData name="Rafael C." userId="ffa83960b425c528" providerId="LiveId" clId="{D5A872B8-313C-4215-B87E-B7B88119E156}" dt="2018-10-08T04:52:45.640" v="1275"/>
-          <ac:spMkLst>
-            <pc:docMk/>
-            <pc:sldMk cId="3421419816" sldId="299"/>
-            <ac:spMk id="28" creationId="{FB6EAD83-70DF-4F6F-A2EB-D289492C3EC0}"/>
-          </ac:spMkLst>
-        </pc:spChg>
-        <pc:spChg chg="add del mod">
-          <ac:chgData name="Rafael C." userId="ffa83960b425c528" providerId="LiveId" clId="{D5A872B8-313C-4215-B87E-B7B88119E156}" dt="2018-10-08T04:52:45.640" v="1275"/>
-          <ac:spMkLst>
-            <pc:docMk/>
-            <pc:sldMk cId="3421419816" sldId="299"/>
-            <ac:spMk id="29" creationId="{4A801E64-DF46-4888-A826-0E96E52DD8BA}"/>
-          </ac:spMkLst>
-        </pc:spChg>
-        <pc:spChg chg="add del mod">
-          <ac:chgData name="Rafael C." userId="ffa83960b425c528" providerId="LiveId" clId="{D5A872B8-313C-4215-B87E-B7B88119E156}" dt="2018-10-08T04:52:45.640" v="1275"/>
-          <ac:spMkLst>
-            <pc:docMk/>
-            <pc:sldMk cId="3421419816" sldId="299"/>
-            <ac:spMk id="30" creationId="{A51A9049-D147-4400-813A-C28449A15EA8}"/>
-          </ac:spMkLst>
-        </pc:spChg>
-        <pc:spChg chg="add del mod">
-          <ac:chgData name="Rafael C." userId="ffa83960b425c528" providerId="LiveId" clId="{D5A872B8-313C-4215-B87E-B7B88119E156}" dt="2018-10-08T04:52:45.640" v="1275"/>
-          <ac:spMkLst>
-            <pc:docMk/>
-            <pc:sldMk cId="3421419816" sldId="299"/>
-            <ac:spMk id="31" creationId="{BBABD859-FE77-414F-B2B7-6695975062EE}"/>
-          </ac:spMkLst>
-        </pc:spChg>
-        <pc:spChg chg="add del mod">
-          <ac:chgData name="Rafael C." userId="ffa83960b425c528" providerId="LiveId" clId="{D5A872B8-313C-4215-B87E-B7B88119E156}" dt="2018-10-08T04:52:45.640" v="1275"/>
-          <ac:spMkLst>
-            <pc:docMk/>
-            <pc:sldMk cId="3421419816" sldId="299"/>
-            <ac:spMk id="32" creationId="{9F8CA262-82A0-49DA-A902-7E5D63019E67}"/>
-          </ac:spMkLst>
-        </pc:spChg>
-        <pc:grpChg chg="add mod">
-          <ac:chgData name="Rafael C." userId="ffa83960b425c528" providerId="LiveId" clId="{D5A872B8-313C-4215-B87E-B7B88119E156}" dt="2018-10-08T04:52:45.219" v="1274" actId="164"/>
-          <ac:grpSpMkLst>
-            <pc:docMk/>
-            <pc:sldMk cId="3421419816" sldId="299"/>
-            <ac:grpSpMk id="2" creationId="{D5CCB943-DF8B-4743-9B6D-987325CC21F4}"/>
-          </ac:grpSpMkLst>
-        </pc:grpChg>
-        <pc:grpChg chg="add del">
-          <ac:chgData name="Rafael C." userId="ffa83960b425c528" providerId="LiveId" clId="{D5A872B8-313C-4215-B87E-B7B88119E156}" dt="2018-10-08T04:53:00.650" v="1277"/>
-          <ac:grpSpMkLst>
-            <pc:docMk/>
-            <pc:sldMk cId="3421419816" sldId="299"/>
-            <ac:grpSpMk id="37" creationId="{46A9B579-0D02-499F-BA38-344A3EB7E782}"/>
-          </ac:grpSpMkLst>
-        </pc:grpChg>
-        <pc:picChg chg="add mod">
-          <ac:chgData name="Rafael C." userId="ffa83960b425c528" providerId="LiveId" clId="{D5A872B8-313C-4215-B87E-B7B88119E156}" dt="2018-10-08T04:53:11.495" v="1281" actId="1076"/>
-          <ac:picMkLst>
-            <pc:docMk/>
-            <pc:sldMk cId="3421419816" sldId="299"/>
-            <ac:picMk id="3" creationId="{D07B4742-FE8F-4AC5-9701-BB4BEF9A2D90}"/>
-          </ac:picMkLst>
-        </pc:picChg>
-        <pc:picChg chg="add del">
-          <ac:chgData name="Rafael C." userId="ffa83960b425c528" providerId="LiveId" clId="{D5A872B8-313C-4215-B87E-B7B88119E156}" dt="2018-10-08T04:51:45.937" v="1261" actId="478"/>
-          <ac:picMkLst>
-            <pc:docMk/>
-            <pc:sldMk cId="3421419816" sldId="299"/>
-            <ac:picMk id="7" creationId="{328AFE9D-C6CA-4723-99A3-0A9D547DFEB6}"/>
-          </ac:picMkLst>
-        </pc:picChg>
-        <pc:cxnChg chg="add del">
-          <ac:chgData name="Rafael C." userId="ffa83960b425c528" providerId="LiveId" clId="{D5A872B8-313C-4215-B87E-B7B88119E156}" dt="2018-10-08T04:51:19.021" v="1253"/>
-          <ac:cxnSpMkLst>
-            <pc:docMk/>
-            <pc:sldMk cId="3421419816" sldId="299"/>
-            <ac:cxnSpMk id="13" creationId="{B2386CBD-3B7A-410D-93FF-B26A887CAEC3}"/>
-          </ac:cxnSpMkLst>
-        </pc:cxnChg>
-        <pc:cxnChg chg="add del">
-          <ac:chgData name="Rafael C." userId="ffa83960b425c528" providerId="LiveId" clId="{D5A872B8-313C-4215-B87E-B7B88119E156}" dt="2018-10-08T04:51:19.021" v="1253"/>
-          <ac:cxnSpMkLst>
-            <pc:docMk/>
-            <pc:sldMk cId="3421419816" sldId="299"/>
-            <ac:cxnSpMk id="14" creationId="{19579AAA-44B3-4FD4-81DF-2754BE419DA2}"/>
-          </ac:cxnSpMkLst>
-        </pc:cxnChg>
-        <pc:cxnChg chg="add del">
-          <ac:chgData name="Rafael C." userId="ffa83960b425c528" providerId="LiveId" clId="{D5A872B8-313C-4215-B87E-B7B88119E156}" dt="2018-10-08T04:51:19.021" v="1253"/>
-          <ac:cxnSpMkLst>
-            <pc:docMk/>
-            <pc:sldMk cId="3421419816" sldId="299"/>
-            <ac:cxnSpMk id="15" creationId="{F14500DB-FAF1-453F-A293-7C391358BBE0}"/>
-          </ac:cxnSpMkLst>
-        </pc:cxnChg>
-        <pc:cxnChg chg="add del">
-          <ac:chgData name="Rafael C." userId="ffa83960b425c528" providerId="LiveId" clId="{D5A872B8-313C-4215-B87E-B7B88119E156}" dt="2018-10-08T04:51:19.021" v="1253"/>
-          <ac:cxnSpMkLst>
-            <pc:docMk/>
-            <pc:sldMk cId="3421419816" sldId="299"/>
-            <ac:cxnSpMk id="16" creationId="{0617D1B4-387E-4BC1-BC06-645879C6E19C}"/>
-          </ac:cxnSpMkLst>
-        </pc:cxnChg>
-        <pc:cxnChg chg="add del">
-          <ac:chgData name="Rafael C." userId="ffa83960b425c528" providerId="LiveId" clId="{D5A872B8-313C-4215-B87E-B7B88119E156}" dt="2018-10-08T04:51:25.348" v="1255"/>
-          <ac:cxnSpMkLst>
-            <pc:docMk/>
-            <pc:sldMk cId="3421419816" sldId="299"/>
-            <ac:cxnSpMk id="23" creationId="{05392CE8-774E-45DE-BFA5-AE0060D1A69A}"/>
-          </ac:cxnSpMkLst>
-        </pc:cxnChg>
-        <pc:cxnChg chg="add del">
-          <ac:chgData name="Rafael C." userId="ffa83960b425c528" providerId="LiveId" clId="{D5A872B8-313C-4215-B87E-B7B88119E156}" dt="2018-10-08T04:51:25.348" v="1255"/>
-          <ac:cxnSpMkLst>
-            <pc:docMk/>
-            <pc:sldMk cId="3421419816" sldId="299"/>
-            <ac:cxnSpMk id="24" creationId="{5CA4FE2A-6E0B-4A65-BB2D-20959E6103D7}"/>
-          </ac:cxnSpMkLst>
-        </pc:cxnChg>
-        <pc:cxnChg chg="add del">
-          <ac:chgData name="Rafael C." userId="ffa83960b425c528" providerId="LiveId" clId="{D5A872B8-313C-4215-B87E-B7B88119E156}" dt="2018-10-08T04:51:25.348" v="1255"/>
-          <ac:cxnSpMkLst>
-            <pc:docMk/>
-            <pc:sldMk cId="3421419816" sldId="299"/>
-            <ac:cxnSpMk id="25" creationId="{B363DB94-1572-4F28-B007-D8C134603947}"/>
-          </ac:cxnSpMkLst>
-        </pc:cxnChg>
-        <pc:cxnChg chg="add del">
-          <ac:chgData name="Rafael C." userId="ffa83960b425c528" providerId="LiveId" clId="{D5A872B8-313C-4215-B87E-B7B88119E156}" dt="2018-10-08T04:51:25.348" v="1255"/>
-          <ac:cxnSpMkLst>
-            <pc:docMk/>
-            <pc:sldMk cId="3421419816" sldId="299"/>
-            <ac:cxnSpMk id="26" creationId="{F09FBDD9-406F-44A8-A852-6CA959599B67}"/>
-          </ac:cxnSpMkLst>
-        </pc:cxnChg>
-        <pc:cxnChg chg="add del mod">
-          <ac:chgData name="Rafael C." userId="ffa83960b425c528" providerId="LiveId" clId="{D5A872B8-313C-4215-B87E-B7B88119E156}" dt="2018-10-08T04:52:45.640" v="1275"/>
-          <ac:cxnSpMkLst>
-            <pc:docMk/>
-            <pc:sldMk cId="3421419816" sldId="299"/>
-            <ac:cxnSpMk id="33" creationId="{CEA815C4-7E48-4C8A-88CD-97D2F58B1130}"/>
-          </ac:cxnSpMkLst>
-        </pc:cxnChg>
-        <pc:cxnChg chg="add del mod">
-          <ac:chgData name="Rafael C." userId="ffa83960b425c528" providerId="LiveId" clId="{D5A872B8-313C-4215-B87E-B7B88119E156}" dt="2018-10-08T04:52:45.640" v="1275"/>
-          <ac:cxnSpMkLst>
-            <pc:docMk/>
-            <pc:sldMk cId="3421419816" sldId="299"/>
-            <ac:cxnSpMk id="34" creationId="{468DE65E-50E0-4540-A25C-2FBFA33F05F4}"/>
-          </ac:cxnSpMkLst>
-        </pc:cxnChg>
-        <pc:cxnChg chg="add del mod">
-          <ac:chgData name="Rafael C." userId="ffa83960b425c528" providerId="LiveId" clId="{D5A872B8-313C-4215-B87E-B7B88119E156}" dt="2018-10-08T04:52:45.640" v="1275"/>
-          <ac:cxnSpMkLst>
-            <pc:docMk/>
-            <pc:sldMk cId="3421419816" sldId="299"/>
-            <ac:cxnSpMk id="35" creationId="{EC739CA5-99BC-4580-AA70-528B574735AD}"/>
-          </ac:cxnSpMkLst>
-        </pc:cxnChg>
-        <pc:cxnChg chg="add del mod">
-          <ac:chgData name="Rafael C." userId="ffa83960b425c528" providerId="LiveId" clId="{D5A872B8-313C-4215-B87E-B7B88119E156}" dt="2018-10-08T04:52:45.640" v="1275"/>
-          <ac:cxnSpMkLst>
-            <pc:docMk/>
-            <pc:sldMk cId="3421419816" sldId="299"/>
-            <ac:cxnSpMk id="36" creationId="{0446BBC8-89B4-4AFF-B9F1-E98E0D04A9C9}"/>
-          </ac:cxnSpMkLst>
-        </pc:cxnChg>
-      </pc:sldChg>
-      <pc:sldChg chg="addSp delSp modSp add">
-        <pc:chgData name="Rafael C." userId="ffa83960b425c528" providerId="LiveId" clId="{D5A872B8-313C-4215-B87E-B7B88119E156}" dt="2018-10-08T04:54:02.146" v="1290" actId="1076"/>
-        <pc:sldMkLst>
-          <pc:docMk/>
-          <pc:sldMk cId="1503025589" sldId="300"/>
-        </pc:sldMkLst>
-        <pc:picChg chg="add mod">
-          <ac:chgData name="Rafael C." userId="ffa83960b425c528" providerId="LiveId" clId="{D5A872B8-313C-4215-B87E-B7B88119E156}" dt="2018-10-08T04:54:02.146" v="1290" actId="1076"/>
-          <ac:picMkLst>
-            <pc:docMk/>
-            <pc:sldMk cId="1503025589" sldId="300"/>
-            <ac:picMk id="2" creationId="{AAA1297C-D062-4562-9E48-FA7F548C5DB2}"/>
-          </ac:picMkLst>
-        </pc:picChg>
-        <pc:picChg chg="del">
-          <ac:chgData name="Rafael C." userId="ffa83960b425c528" providerId="LiveId" clId="{D5A872B8-313C-4215-B87E-B7B88119E156}" dt="2018-10-08T04:53:36.977" v="1283" actId="478"/>
-          <ac:picMkLst>
-            <pc:docMk/>
-            <pc:sldMk cId="1503025589" sldId="300"/>
-            <ac:picMk id="3" creationId="{D07B4742-FE8F-4AC5-9701-BB4BEF9A2D90}"/>
-          </ac:picMkLst>
-        </pc:picChg>
-      </pc:sldChg>
-      <pc:sldChg chg="modSp add ord">
-        <pc:chgData name="Rafael C." userId="ffa83960b425c528" providerId="LiveId" clId="{D5A872B8-313C-4215-B87E-B7B88119E156}" dt="2018-10-08T05:00:02.716" v="1324" actId="14100"/>
-        <pc:sldMkLst>
-          <pc:docMk/>
-          <pc:sldMk cId="1137226403" sldId="301"/>
-        </pc:sldMkLst>
-        <pc:spChg chg="mod">
-          <ac:chgData name="Rafael C." userId="ffa83960b425c528" providerId="LiveId" clId="{D5A872B8-313C-4215-B87E-B7B88119E156}" dt="2018-10-08T04:59:40.042" v="1322" actId="20577"/>
-          <ac:spMkLst>
-            <pc:docMk/>
-            <pc:sldMk cId="1137226403" sldId="301"/>
-            <ac:spMk id="4" creationId="{47BF13C9-597F-4101-B226-A0C8AB06CB95}"/>
-          </ac:spMkLst>
-        </pc:spChg>
-        <pc:spChg chg="mod">
-          <ac:chgData name="Rafael C." userId="ffa83960b425c528" providerId="LiveId" clId="{D5A872B8-313C-4215-B87E-B7B88119E156}" dt="2018-10-08T05:00:02.716" v="1324" actId="14100"/>
-          <ac:spMkLst>
-            <pc:docMk/>
-            <pc:sldMk cId="1137226403" sldId="301"/>
-            <ac:spMk id="5" creationId="{EC9A45E1-1B10-4959-A23C-8023AD14133C}"/>
-          </ac:spMkLst>
-        </pc:spChg>
-      </pc:sldChg>
-      <pc:sldChg chg="addSp delSp modSp add ord">
-        <pc:chgData name="Rafael C." userId="ffa83960b425c528" providerId="LiveId" clId="{D5A872B8-313C-4215-B87E-B7B88119E156}" dt="2018-10-08T05:00:46.596" v="1332" actId="1076"/>
-        <pc:sldMkLst>
-          <pc:docMk/>
-          <pc:sldMk cId="3216410200" sldId="302"/>
-        </pc:sldMkLst>
-        <pc:spChg chg="mod">
-          <ac:chgData name="Rafael C." userId="ffa83960b425c528" providerId="LiveId" clId="{D5A872B8-313C-4215-B87E-B7B88119E156}" dt="2018-10-08T05:00:34.420" v="1327"/>
-          <ac:spMkLst>
-            <pc:docMk/>
-            <pc:sldMk cId="3216410200" sldId="302"/>
-            <ac:spMk id="4" creationId="{47BF13C9-597F-4101-B226-A0C8AB06CB95}"/>
-          </ac:spMkLst>
-        </pc:spChg>
-        <pc:picChg chg="del">
-          <ac:chgData name="Rafael C." userId="ffa83960b425c528" providerId="LiveId" clId="{D5A872B8-313C-4215-B87E-B7B88119E156}" dt="2018-10-08T05:00:37.994" v="1328" actId="478"/>
-          <ac:picMkLst>
-            <pc:docMk/>
-            <pc:sldMk cId="3216410200" sldId="302"/>
-            <ac:picMk id="2" creationId="{AAA1297C-D062-4562-9E48-FA7F548C5DB2}"/>
-          </ac:picMkLst>
-        </pc:picChg>
-        <pc:picChg chg="add mod">
-          <ac:chgData name="Rafael C." userId="ffa83960b425c528" providerId="LiveId" clId="{D5A872B8-313C-4215-B87E-B7B88119E156}" dt="2018-10-08T05:00:46.596" v="1332" actId="1076"/>
-          <ac:picMkLst>
-            <pc:docMk/>
-            <pc:sldMk cId="3216410200" sldId="302"/>
-            <ac:picMk id="6" creationId="{8B12B1D1-CA95-4E3A-BCA5-2588F062412A}"/>
-          </ac:picMkLst>
-        </pc:picChg>
-      </pc:sldChg>
-      <pc:sldChg chg="addSp delSp modSp add">
-        <pc:chgData name="Rafael C." userId="ffa83960b425c528" providerId="LiveId" clId="{D5A872B8-313C-4215-B87E-B7B88119E156}" dt="2018-10-08T05:01:28.523" v="1365" actId="20577"/>
-        <pc:sldMkLst>
-          <pc:docMk/>
-          <pc:sldMk cId="1397235496" sldId="303"/>
-        </pc:sldMkLst>
-        <pc:spChg chg="mod">
-          <ac:chgData name="Rafael C." userId="ffa83960b425c528" providerId="LiveId" clId="{D5A872B8-313C-4215-B87E-B7B88119E156}" dt="2018-10-08T05:01:28.523" v="1365" actId="20577"/>
-          <ac:spMkLst>
-            <pc:docMk/>
-            <pc:sldMk cId="1397235496" sldId="303"/>
-            <ac:spMk id="4" creationId="{47BF13C9-597F-4101-B226-A0C8AB06CB95}"/>
-          </ac:spMkLst>
-        </pc:spChg>
-        <pc:picChg chg="del">
-          <ac:chgData name="Rafael C." userId="ffa83960b425c528" providerId="LiveId" clId="{D5A872B8-313C-4215-B87E-B7B88119E156}" dt="2018-10-08T05:00:55.511" v="1334" actId="478"/>
-          <ac:picMkLst>
-            <pc:docMk/>
-            <pc:sldMk cId="1397235496" sldId="303"/>
-            <ac:picMk id="6" creationId="{8B12B1D1-CA95-4E3A-BCA5-2588F062412A}"/>
-          </ac:picMkLst>
-        </pc:picChg>
-        <pc:picChg chg="add mod">
-          <ac:chgData name="Rafael C." userId="ffa83960b425c528" providerId="LiveId" clId="{D5A872B8-313C-4215-B87E-B7B88119E156}" dt="2018-10-08T05:01:04.826" v="1338" actId="1076"/>
-          <ac:picMkLst>
-            <pc:docMk/>
-            <pc:sldMk cId="1397235496" sldId="303"/>
-            <ac:picMk id="7" creationId="{5E5D44BD-CB4C-4755-8D90-ECB43E74E680}"/>
-          </ac:picMkLst>
-        </pc:picChg>
-      </pc:sldChg>
-      <pc:sldChg chg="addSp delSp modSp add">
-        <pc:chgData name="Rafael C." userId="ffa83960b425c528" providerId="LiveId" clId="{D5A872B8-313C-4215-B87E-B7B88119E156}" dt="2018-10-08T05:01:43.991" v="1395" actId="1076"/>
-        <pc:sldMkLst>
-          <pc:docMk/>
-          <pc:sldMk cId="2406555272" sldId="304"/>
-        </pc:sldMkLst>
-        <pc:spChg chg="mod">
-          <ac:chgData name="Rafael C." userId="ffa83960b425c528" providerId="LiveId" clId="{D5A872B8-313C-4215-B87E-B7B88119E156}" dt="2018-10-08T05:01:37.410" v="1393" actId="20577"/>
-          <ac:spMkLst>
-            <pc:docMk/>
-            <pc:sldMk cId="2406555272" sldId="304"/>
-            <ac:spMk id="4" creationId="{47BF13C9-597F-4101-B226-A0C8AB06CB95}"/>
-          </ac:spMkLst>
-        </pc:spChg>
-        <pc:picChg chg="add mod">
-          <ac:chgData name="Rafael C." userId="ffa83960b425c528" providerId="LiveId" clId="{D5A872B8-313C-4215-B87E-B7B88119E156}" dt="2018-10-08T05:01:43.991" v="1395" actId="1076"/>
-          <ac:picMkLst>
-            <pc:docMk/>
-            <pc:sldMk cId="2406555272" sldId="304"/>
-            <ac:picMk id="6" creationId="{DE9A3BEF-42CD-4C36-A236-39278E8A4048}"/>
-          </ac:picMkLst>
-        </pc:picChg>
-        <pc:picChg chg="del">
-          <ac:chgData name="Rafael C." userId="ffa83960b425c528" providerId="LiveId" clId="{D5A872B8-313C-4215-B87E-B7B88119E156}" dt="2018-10-08T05:01:15.158" v="1340" actId="478"/>
-          <ac:picMkLst>
-            <pc:docMk/>
-            <pc:sldMk cId="2406555272" sldId="304"/>
-            <ac:picMk id="7" creationId="{5E5D44BD-CB4C-4755-8D90-ECB43E74E680}"/>
-          </ac:picMkLst>
-        </pc:picChg>
-      </pc:sldChg>
-      <pc:sldChg chg="modSp add ord">
-        <pc:chgData name="Rafael C." userId="ffa83960b425c528" providerId="LiveId" clId="{D5A872B8-313C-4215-B87E-B7B88119E156}" dt="2018-10-08T05:04:12.546" v="1532" actId="20577"/>
-        <pc:sldMkLst>
-          <pc:docMk/>
-          <pc:sldMk cId="1166867367" sldId="305"/>
-        </pc:sldMkLst>
-        <pc:spChg chg="mod">
-          <ac:chgData name="Rafael C." userId="ffa83960b425c528" providerId="LiveId" clId="{D5A872B8-313C-4215-B87E-B7B88119E156}" dt="2018-10-08T05:03:06.093" v="1404" actId="20577"/>
-          <ac:spMkLst>
-            <pc:docMk/>
-            <pc:sldMk cId="1166867367" sldId="305"/>
-            <ac:spMk id="4" creationId="{47BF13C9-597F-4101-B226-A0C8AB06CB95}"/>
-          </ac:spMkLst>
-        </pc:spChg>
-        <pc:spChg chg="mod">
-          <ac:chgData name="Rafael C." userId="ffa83960b425c528" providerId="LiveId" clId="{D5A872B8-313C-4215-B87E-B7B88119E156}" dt="2018-10-08T05:04:12.546" v="1532" actId="20577"/>
-          <ac:spMkLst>
-            <pc:docMk/>
-            <pc:sldMk cId="1166867367" sldId="305"/>
-            <ac:spMk id="5" creationId="{EC9A45E1-1B10-4959-A23C-8023AD14133C}"/>
-          </ac:spMkLst>
-        </pc:spChg>
-      </pc:sldChg>
-      <pc:sldChg chg="modSp add">
-        <pc:chgData name="Rafael C." userId="ffa83960b425c528" providerId="LiveId" clId="{D5A872B8-313C-4215-B87E-B7B88119E156}" dt="2018-10-08T05:11:32.035" v="1811" actId="313"/>
-        <pc:sldMkLst>
-          <pc:docMk/>
-          <pc:sldMk cId="1858461300" sldId="306"/>
-        </pc:sldMkLst>
-        <pc:spChg chg="mod">
-          <ac:chgData name="Rafael C." userId="ffa83960b425c528" providerId="LiveId" clId="{D5A872B8-313C-4215-B87E-B7B88119E156}" dt="2018-10-08T05:11:32.035" v="1811" actId="313"/>
-          <ac:spMkLst>
-            <pc:docMk/>
-            <pc:sldMk cId="1858461300" sldId="306"/>
-            <ac:spMk id="5" creationId="{EC9A45E1-1B10-4959-A23C-8023AD14133C}"/>
-          </ac:spMkLst>
-        </pc:spChg>
-      </pc:sldChg>
-      <pc:sldChg chg="modSp add del">
-        <pc:chgData name="Rafael C." userId="ffa83960b425c528" providerId="LiveId" clId="{D5A872B8-313C-4215-B87E-B7B88119E156}" dt="2018-10-08T05:37:36.025" v="2047" actId="20577"/>
-        <pc:sldMkLst>
-          <pc:docMk/>
-          <pc:sldMk cId="30732809" sldId="307"/>
-        </pc:sldMkLst>
-        <pc:spChg chg="mod">
-          <ac:chgData name="Rafael C." userId="ffa83960b425c528" providerId="LiveId" clId="{D5A872B8-313C-4215-B87E-B7B88119E156}" dt="2018-10-08T05:37:36.025" v="2047" actId="20577"/>
-          <ac:spMkLst>
-            <pc:docMk/>
-            <pc:sldMk cId="30732809" sldId="307"/>
-            <ac:spMk id="5" creationId="{EC9A45E1-1B10-4959-A23C-8023AD14133C}"/>
-          </ac:spMkLst>
-        </pc:spChg>
-      </pc:sldChg>
-      <pc:sldChg chg="addSp modSp add">
-        <pc:chgData name="Rafael C." userId="ffa83960b425c528" providerId="LiveId" clId="{D5A872B8-313C-4215-B87E-B7B88119E156}" dt="2018-10-08T05:08:30.942" v="1810" actId="20577"/>
-        <pc:sldMkLst>
-          <pc:docMk/>
-          <pc:sldMk cId="1257397652" sldId="308"/>
-        </pc:sldMkLst>
-        <pc:spChg chg="mod">
-          <ac:chgData name="Rafael C." userId="ffa83960b425c528" providerId="LiveId" clId="{D5A872B8-313C-4215-B87E-B7B88119E156}" dt="2018-10-08T05:08:30.942" v="1810" actId="20577"/>
-          <ac:spMkLst>
-            <pc:docMk/>
-            <pc:sldMk cId="1257397652" sldId="308"/>
-            <ac:spMk id="4" creationId="{47BF13C9-597F-4101-B226-A0C8AB06CB95}"/>
-          </ac:spMkLst>
-        </pc:spChg>
-        <pc:spChg chg="mod">
-          <ac:chgData name="Rafael C." userId="ffa83960b425c528" providerId="LiveId" clId="{D5A872B8-313C-4215-B87E-B7B88119E156}" dt="2018-10-08T05:08:13.560" v="1791" actId="403"/>
-          <ac:spMkLst>
-            <pc:docMk/>
-            <pc:sldMk cId="1257397652" sldId="308"/>
-            <ac:spMk id="5" creationId="{EC9A45E1-1B10-4959-A23C-8023AD14133C}"/>
-          </ac:spMkLst>
-        </pc:spChg>
-        <pc:graphicFrameChg chg="add mod">
-          <ac:chgData name="Rafael C." userId="ffa83960b425c528" providerId="LiveId" clId="{D5A872B8-313C-4215-B87E-B7B88119E156}" dt="2018-10-08T05:08:25.898" v="1809" actId="403"/>
-          <ac:graphicFrameMkLst>
-            <pc:docMk/>
-            <pc:sldMk cId="1257397652" sldId="308"/>
-            <ac:graphicFrameMk id="6" creationId="{088E6C20-3120-4522-9C4B-8078F5844BFE}"/>
-          </ac:graphicFrameMkLst>
-        </pc:graphicFrameChg>
-      </pc:sldChg>
-      <pc:sldChg chg="addSp modSp add ord">
-        <pc:chgData name="Rafael C." userId="ffa83960b425c528" providerId="LiveId" clId="{D5A872B8-313C-4215-B87E-B7B88119E156}" dt="2018-10-08T05:12:32.850" v="1829" actId="1076"/>
+      <pc:sldChg chg="delSp">
+        <pc:chgData name="Rafael C." userId="ffa83960b425c528" providerId="LiveId" clId="{2FFB48EE-1197-4CF7-B0B4-0A3794AD2783}" dt="2019-08-06T16:33:43.894" v="18" actId="478"/>
         <pc:sldMkLst>
           <pc:docMk/>
           <pc:sldMk cId="921822746" sldId="309"/>
         </pc:sldMkLst>
-        <pc:spChg chg="mod">
-          <ac:chgData name="Rafael C." userId="ffa83960b425c528" providerId="LiveId" clId="{D5A872B8-313C-4215-B87E-B7B88119E156}" dt="2018-10-08T05:11:54.016" v="1824" actId="20577"/>
-          <ac:spMkLst>
-            <pc:docMk/>
-            <pc:sldMk cId="921822746" sldId="309"/>
-            <ac:spMk id="4" creationId="{47BF13C9-597F-4101-B226-A0C8AB06CB95}"/>
-          </ac:spMkLst>
-        </pc:spChg>
-        <pc:spChg chg="mod">
-          <ac:chgData name="Rafael C." userId="ffa83960b425c528" providerId="LiveId" clId="{D5A872B8-313C-4215-B87E-B7B88119E156}" dt="2018-10-08T05:12:27.994" v="1827" actId="242"/>
-          <ac:spMkLst>
-            <pc:docMk/>
-            <pc:sldMk cId="921822746" sldId="309"/>
-            <ac:spMk id="5" creationId="{EC9A45E1-1B10-4959-A23C-8023AD14133C}"/>
-          </ac:spMkLst>
-        </pc:spChg>
-        <pc:picChg chg="add mod">
-          <ac:chgData name="Rafael C." userId="ffa83960b425c528" providerId="LiveId" clId="{D5A872B8-313C-4215-B87E-B7B88119E156}" dt="2018-10-08T05:12:32.850" v="1829" actId="1076"/>
+        <pc:picChg chg="del">
+          <ac:chgData name="Rafael C." userId="ffa83960b425c528" providerId="LiveId" clId="{2FFB48EE-1197-4CF7-B0B4-0A3794AD2783}" dt="2019-08-06T16:33:43.894" v="18" actId="478"/>
           <ac:picMkLst>
             <pc:docMk/>
             <pc:sldMk cId="921822746" sldId="309"/>
-            <ac:picMk id="6" creationId="{3A5DF90B-15EE-4D27-B86F-D2C4C7A43F79}"/>
+            <ac:picMk id="7" creationId="{00000000-0000-0000-0000-000000000000}"/>
           </ac:picMkLst>
         </pc:picChg>
       </pc:sldChg>
-      <pc:sldChg chg="addSp delSp modSp add">
-        <pc:chgData name="Rafael C." userId="ffa83960b425c528" providerId="LiveId" clId="{D5A872B8-313C-4215-B87E-B7B88119E156}" dt="2018-10-08T05:13:06.525" v="1837" actId="1076"/>
+      <pc:sldChg chg="delSp">
+        <pc:chgData name="Rafael C." userId="ffa83960b425c528" providerId="LiveId" clId="{2FFB48EE-1197-4CF7-B0B4-0A3794AD2783}" dt="2019-08-06T16:33:51.581" v="22" actId="478"/>
         <pc:sldMkLst>
           <pc:docMk/>
           <pc:sldMk cId="769063281" sldId="310"/>
         </pc:sldMkLst>
-        <pc:spChg chg="mod">
-          <ac:chgData name="Rafael C." userId="ffa83960b425c528" providerId="LiveId" clId="{D5A872B8-313C-4215-B87E-B7B88119E156}" dt="2018-10-08T05:13:01.043" v="1835" actId="14100"/>
-          <ac:spMkLst>
-            <pc:docMk/>
-            <pc:sldMk cId="769063281" sldId="310"/>
-            <ac:spMk id="5" creationId="{EC9A45E1-1B10-4959-A23C-8023AD14133C}"/>
-          </ac:spMkLst>
-        </pc:spChg>
         <pc:picChg chg="del">
-          <ac:chgData name="Rafael C." userId="ffa83960b425c528" providerId="LiveId" clId="{D5A872B8-313C-4215-B87E-B7B88119E156}" dt="2018-10-08T05:12:53.503" v="1832" actId="478"/>
+          <ac:chgData name="Rafael C." userId="ffa83960b425c528" providerId="LiveId" clId="{2FFB48EE-1197-4CF7-B0B4-0A3794AD2783}" dt="2019-08-06T16:33:51.581" v="22" actId="478"/>
           <ac:picMkLst>
             <pc:docMk/>
             <pc:sldMk cId="769063281" sldId="310"/>
-            <ac:picMk id="6" creationId="{3A5DF90B-15EE-4D27-B86F-D2C4C7A43F79}"/>
-          </ac:picMkLst>
-        </pc:picChg>
-        <pc:picChg chg="add mod">
-          <ac:chgData name="Rafael C." userId="ffa83960b425c528" providerId="LiveId" clId="{D5A872B8-313C-4215-B87E-B7B88119E156}" dt="2018-10-08T05:13:06.525" v="1837" actId="1076"/>
-          <ac:picMkLst>
-            <pc:docMk/>
-            <pc:sldMk cId="769063281" sldId="310"/>
-            <ac:picMk id="7" creationId="{18C98634-8C86-4D23-9D4C-15C541221D46}"/>
+            <ac:picMk id="6" creationId="{00000000-0000-0000-0000-000000000000}"/>
           </ac:picMkLst>
         </pc:picChg>
       </pc:sldChg>
-      <pc:sldChg chg="addSp delSp modSp add">
-        <pc:chgData name="Rafael C." userId="ffa83960b425c528" providerId="LiveId" clId="{D5A872B8-313C-4215-B87E-B7B88119E156}" dt="2018-10-08T05:13:21.826" v="1843" actId="1076"/>
+      <pc:sldChg chg="delSp">
+        <pc:chgData name="Rafael C." userId="ffa83960b425c528" providerId="LiveId" clId="{2FFB48EE-1197-4CF7-B0B4-0A3794AD2783}" dt="2019-08-06T16:33:53.315" v="23" actId="478"/>
         <pc:sldMkLst>
           <pc:docMk/>
           <pc:sldMk cId="968916950" sldId="311"/>
         </pc:sldMkLst>
-        <pc:picChg chg="add mod">
-          <ac:chgData name="Rafael C." userId="ffa83960b425c528" providerId="LiveId" clId="{D5A872B8-313C-4215-B87E-B7B88119E156}" dt="2018-10-08T05:13:21.826" v="1843" actId="1076"/>
+        <pc:picChg chg="del">
+          <ac:chgData name="Rafael C." userId="ffa83960b425c528" providerId="LiveId" clId="{2FFB48EE-1197-4CF7-B0B4-0A3794AD2783}" dt="2019-08-06T16:33:53.315" v="23" actId="478"/>
           <ac:picMkLst>
             <pc:docMk/>
             <pc:sldMk cId="968916950" sldId="311"/>
-            <ac:picMk id="6" creationId="{CC9EA084-A061-44C5-A80A-2FFF7389D07E}"/>
-          </ac:picMkLst>
-        </pc:picChg>
-        <pc:picChg chg="del">
-          <ac:chgData name="Rafael C." userId="ffa83960b425c528" providerId="LiveId" clId="{D5A872B8-313C-4215-B87E-B7B88119E156}" dt="2018-10-08T05:13:14.175" v="1839" actId="478"/>
-          <ac:picMkLst>
-            <pc:docMk/>
-            <pc:sldMk cId="968916950" sldId="311"/>
-            <ac:picMk id="7" creationId="{18C98634-8C86-4D23-9D4C-15C541221D46}"/>
+            <ac:picMk id="7" creationId="{00000000-0000-0000-0000-000000000000}"/>
           </ac:picMkLst>
         </pc:picChg>
       </pc:sldChg>
-      <pc:sldChg chg="addSp delSp modSp add del">
-        <pc:chgData name="Rafael C." userId="ffa83960b425c528" providerId="LiveId" clId="{D5A872B8-313C-4215-B87E-B7B88119E156}" dt="2018-10-08T05:13:40.228" v="1851" actId="2696"/>
+      <pc:sldChg chg="delSp">
+        <pc:chgData name="Rafael C." userId="ffa83960b425c528" providerId="LiveId" clId="{2FFB48EE-1197-4CF7-B0B4-0A3794AD2783}" dt="2019-08-06T16:33:54.971" v="24" actId="478"/>
         <pc:sldMkLst>
           <pc:docMk/>
           <pc:sldMk cId="2380109637" sldId="312"/>
         </pc:sldMkLst>
         <pc:picChg chg="del">
-          <ac:chgData name="Rafael C." userId="ffa83960b425c528" providerId="LiveId" clId="{D5A872B8-313C-4215-B87E-B7B88119E156}" dt="2018-10-08T05:13:30.153" v="1845" actId="478"/>
+          <ac:chgData name="Rafael C." userId="ffa83960b425c528" providerId="LiveId" clId="{2FFB48EE-1197-4CF7-B0B4-0A3794AD2783}" dt="2019-08-06T16:33:54.971" v="24" actId="478"/>
           <ac:picMkLst>
             <pc:docMk/>
             <pc:sldMk cId="2380109637" sldId="312"/>
-            <ac:picMk id="6" creationId="{CC9EA084-A061-44C5-A80A-2FFF7389D07E}"/>
-          </ac:picMkLst>
-        </pc:picChg>
-        <pc:picChg chg="add mod">
-          <ac:chgData name="Rafael C." userId="ffa83960b425c528" providerId="LiveId" clId="{D5A872B8-313C-4215-B87E-B7B88119E156}" dt="2018-10-08T05:13:36.521" v="1849" actId="1076"/>
-          <ac:picMkLst>
-            <pc:docMk/>
-            <pc:sldMk cId="2380109637" sldId="312"/>
-            <ac:picMk id="7" creationId="{C8B3C82A-341D-470C-8EF6-655ED9E9C4CC}"/>
+            <ac:picMk id="6" creationId="{00000000-0000-0000-0000-000000000000}"/>
           </ac:picMkLst>
         </pc:picChg>
       </pc:sldChg>
-      <pc:sldChg chg="addSp delSp modSp add">
-        <pc:chgData name="Rafael C." userId="ffa83960b425c528" providerId="LiveId" clId="{D5A872B8-313C-4215-B87E-B7B88119E156}" dt="2018-10-08T05:15:43.214" v="1855" actId="1076"/>
+      <pc:sldChg chg="delSp">
+        <pc:chgData name="Rafael C." userId="ffa83960b425c528" providerId="LiveId" clId="{2FFB48EE-1197-4CF7-B0B4-0A3794AD2783}" dt="2019-08-06T16:33:56.721" v="25" actId="478"/>
         <pc:sldMkLst>
           <pc:docMk/>
           <pc:sldMk cId="2544402906" sldId="313"/>
         </pc:sldMkLst>
         <pc:picChg chg="del">
-          <ac:chgData name="Rafael C." userId="ffa83960b425c528" providerId="LiveId" clId="{D5A872B8-313C-4215-B87E-B7B88119E156}" dt="2018-10-08T05:15:38.802" v="1853" actId="478"/>
+          <ac:chgData name="Rafael C." userId="ffa83960b425c528" providerId="LiveId" clId="{2FFB48EE-1197-4CF7-B0B4-0A3794AD2783}" dt="2019-08-06T16:33:56.721" v="25" actId="478"/>
           <ac:picMkLst>
             <pc:docMk/>
             <pc:sldMk cId="2544402906" sldId="313"/>
-            <ac:picMk id="7" creationId="{C8B3C82A-341D-470C-8EF6-655ED9E9C4CC}"/>
-          </ac:picMkLst>
-        </pc:picChg>
-        <pc:picChg chg="add mod">
-          <ac:chgData name="Rafael C." userId="ffa83960b425c528" providerId="LiveId" clId="{D5A872B8-313C-4215-B87E-B7B88119E156}" dt="2018-10-08T05:15:43.214" v="1855" actId="1076"/>
-          <ac:picMkLst>
-            <pc:docMk/>
-            <pc:sldMk cId="2544402906" sldId="313"/>
-            <ac:picMk id="1026" creationId="{A475DFDC-F727-485B-8D5D-DDF2E6D76549}"/>
+            <ac:picMk id="6" creationId="{00000000-0000-0000-0000-000000000000}"/>
           </ac:picMkLst>
         </pc:picChg>
       </pc:sldChg>
-      <pc:sldChg chg="modSp add ord">
-        <pc:chgData name="Rafael C." userId="ffa83960b425c528" providerId="LiveId" clId="{D5A872B8-313C-4215-B87E-B7B88119E156}" dt="2018-10-08T05:27:50.450" v="1980"/>
+      <pc:sldChg chg="delSp">
+        <pc:chgData name="Rafael C." userId="ffa83960b425c528" providerId="LiveId" clId="{2FFB48EE-1197-4CF7-B0B4-0A3794AD2783}" dt="2019-08-06T16:33:45.768" v="19" actId="478"/>
         <pc:sldMkLst>
           <pc:docMk/>
           <pc:sldMk cId="525719570" sldId="314"/>
         </pc:sldMkLst>
-        <pc:spChg chg="mod">
-          <ac:chgData name="Rafael C." userId="ffa83960b425c528" providerId="LiveId" clId="{D5A872B8-313C-4215-B87E-B7B88119E156}" dt="2018-10-08T05:24:49.196" v="1922" actId="20577"/>
-          <ac:spMkLst>
+        <pc:picChg chg="del">
+          <ac:chgData name="Rafael C." userId="ffa83960b425c528" providerId="LiveId" clId="{2FFB48EE-1197-4CF7-B0B4-0A3794AD2783}" dt="2019-08-06T16:33:45.768" v="19" actId="478"/>
+          <ac:picMkLst>
             <pc:docMk/>
             <pc:sldMk cId="525719570" sldId="314"/>
-            <ac:spMk id="4" creationId="{47BF13C9-597F-4101-B226-A0C8AB06CB95}"/>
-          </ac:spMkLst>
-        </pc:spChg>
-        <pc:spChg chg="mod">
-          <ac:chgData name="Rafael C." userId="ffa83960b425c528" providerId="LiveId" clId="{D5A872B8-313C-4215-B87E-B7B88119E156}" dt="2018-10-08T05:25:21.308" v="1926" actId="14"/>
-          <ac:spMkLst>
-            <pc:docMk/>
-            <pc:sldMk cId="525719570" sldId="314"/>
-            <ac:spMk id="5" creationId="{EC9A45E1-1B10-4959-A23C-8023AD14133C}"/>
-          </ac:spMkLst>
-        </pc:spChg>
+            <ac:picMk id="6" creationId="{00000000-0000-0000-0000-000000000000}"/>
+          </ac:picMkLst>
+        </pc:picChg>
       </pc:sldChg>
-      <pc:sldChg chg="addSp delSp modSp add ord">
-        <pc:chgData name="Rafael C." userId="ffa83960b425c528" providerId="LiveId" clId="{D5A872B8-313C-4215-B87E-B7B88119E156}" dt="2018-10-08T05:27:50.450" v="1980"/>
+      <pc:sldChg chg="delSp">
+        <pc:chgData name="Rafael C." userId="ffa83960b425c528" providerId="LiveId" clId="{2FFB48EE-1197-4CF7-B0B4-0A3794AD2783}" dt="2019-08-06T16:33:47.846" v="20" actId="478"/>
         <pc:sldMkLst>
           <pc:docMk/>
           <pc:sldMk cId="1437203535" sldId="315"/>
         </pc:sldMkLst>
-        <pc:spChg chg="mod">
-          <ac:chgData name="Rafael C." userId="ffa83960b425c528" providerId="LiveId" clId="{D5A872B8-313C-4215-B87E-B7B88119E156}" dt="2018-10-08T05:26:05.651" v="1959" actId="20577"/>
-          <ac:spMkLst>
-            <pc:docMk/>
-            <pc:sldMk cId="1437203535" sldId="315"/>
-            <ac:spMk id="4" creationId="{47BF13C9-597F-4101-B226-A0C8AB06CB95}"/>
-          </ac:spMkLst>
-        </pc:spChg>
         <pc:picChg chg="del">
-          <ac:chgData name="Rafael C." userId="ffa83960b425c528" providerId="LiveId" clId="{D5A872B8-313C-4215-B87E-B7B88119E156}" dt="2018-10-08T05:26:31.886" v="1960" actId="478"/>
+          <ac:chgData name="Rafael C." userId="ffa83960b425c528" providerId="LiveId" clId="{2FFB48EE-1197-4CF7-B0B4-0A3794AD2783}" dt="2019-08-06T16:33:47.846" v="20" actId="478"/>
           <ac:picMkLst>
             <pc:docMk/>
             <pc:sldMk cId="1437203535" sldId="315"/>
-            <ac:picMk id="1026" creationId="{A475DFDC-F727-485B-8D5D-DDF2E6D76549}"/>
-          </ac:picMkLst>
-        </pc:picChg>
-        <pc:picChg chg="add mod">
-          <ac:chgData name="Rafael C." userId="ffa83960b425c528" providerId="LiveId" clId="{D5A872B8-313C-4215-B87E-B7B88119E156}" dt="2018-10-08T05:26:35.764" v="1962" actId="1076"/>
-          <ac:picMkLst>
-            <pc:docMk/>
-            <pc:sldMk cId="1437203535" sldId="315"/>
-            <ac:picMk id="6146" creationId="{E4A2DB2F-6E84-487E-B5B7-DDF72E4B1309}"/>
+            <ac:picMk id="6" creationId="{00000000-0000-0000-0000-000000000000}"/>
           </ac:picMkLst>
         </pc:picChg>
       </pc:sldChg>
-      <pc:sldChg chg="addSp delSp modSp add ord">
-        <pc:chgData name="Rafael C." userId="ffa83960b425c528" providerId="LiveId" clId="{D5A872B8-313C-4215-B87E-B7B88119E156}" dt="2018-10-08T05:27:50.450" v="1980"/>
+      <pc:sldChg chg="delSp">
+        <pc:chgData name="Rafael C." userId="ffa83960b425c528" providerId="LiveId" clId="{2FFB48EE-1197-4CF7-B0B4-0A3794AD2783}" dt="2019-08-06T16:33:49.674" v="21" actId="478"/>
         <pc:sldMkLst>
           <pc:docMk/>
           <pc:sldMk cId="2688304759" sldId="316"/>
         </pc:sldMkLst>
-        <pc:spChg chg="mod">
-          <ac:chgData name="Rafael C." userId="ffa83960b425c528" providerId="LiveId" clId="{D5A872B8-313C-4215-B87E-B7B88119E156}" dt="2018-10-08T05:26:48.292" v="1972" actId="20577"/>
-          <ac:spMkLst>
-            <pc:docMk/>
-            <pc:sldMk cId="2688304759" sldId="316"/>
-            <ac:spMk id="4" creationId="{47BF13C9-597F-4101-B226-A0C8AB06CB95}"/>
-          </ac:spMkLst>
-        </pc:spChg>
-        <pc:spChg chg="mod">
-          <ac:chgData name="Rafael C." userId="ffa83960b425c528" providerId="LiveId" clId="{D5A872B8-313C-4215-B87E-B7B88119E156}" dt="2018-10-08T05:27:12.350" v="1976" actId="1076"/>
-          <ac:spMkLst>
-            <pc:docMk/>
-            <pc:sldMk cId="2688304759" sldId="316"/>
-            <ac:spMk id="5" creationId="{EC9A45E1-1B10-4959-A23C-8023AD14133C}"/>
-          </ac:spMkLst>
-        </pc:spChg>
         <pc:picChg chg="del">
-          <ac:chgData name="Rafael C." userId="ffa83960b425c528" providerId="LiveId" clId="{D5A872B8-313C-4215-B87E-B7B88119E156}" dt="2018-10-08T05:26:50.149" v="1973" actId="478"/>
+          <ac:chgData name="Rafael C." userId="ffa83960b425c528" providerId="LiveId" clId="{2FFB48EE-1197-4CF7-B0B4-0A3794AD2783}" dt="2019-08-06T16:33:49.674" v="21" actId="478"/>
           <ac:picMkLst>
             <pc:docMk/>
             <pc:sldMk cId="2688304759" sldId="316"/>
-            <ac:picMk id="6146" creationId="{E4A2DB2F-6E84-487E-B5B7-DDF72E4B1309}"/>
-          </ac:picMkLst>
-        </pc:picChg>
-        <pc:picChg chg="add mod">
-          <ac:chgData name="Rafael C." userId="ffa83960b425c528" providerId="LiveId" clId="{D5A872B8-313C-4215-B87E-B7B88119E156}" dt="2018-10-08T05:27:27.056" v="1979" actId="1076"/>
-          <ac:picMkLst>
-            <pc:docMk/>
-            <pc:sldMk cId="2688304759" sldId="316"/>
-            <ac:picMk id="7170" creationId="{D48D36DF-D50B-44FA-8A17-951AAB179756}"/>
+            <ac:picMk id="6" creationId="{00000000-0000-0000-0000-000000000000}"/>
           </ac:picMkLst>
         </pc:picChg>
       </pc:sldChg>
-      <pc:sldChg chg="addSp delSp modSp add ord">
-        <pc:chgData name="Rafael C." userId="ffa83960b425c528" providerId="LiveId" clId="{D5A872B8-313C-4215-B87E-B7B88119E156}" dt="2018-10-08T05:32:20.428" v="1999" actId="1076"/>
-        <pc:sldMkLst>
-          <pc:docMk/>
-          <pc:sldMk cId="450082940" sldId="317"/>
-        </pc:sldMkLst>
-        <pc:spChg chg="mod">
-          <ac:chgData name="Rafael C." userId="ffa83960b425c528" providerId="LiveId" clId="{D5A872B8-313C-4215-B87E-B7B88119E156}" dt="2018-10-08T05:31:53.553" v="1994" actId="20577"/>
-          <ac:spMkLst>
-            <pc:docMk/>
-            <pc:sldMk cId="450082940" sldId="317"/>
-            <ac:spMk id="4" creationId="{47BF13C9-597F-4101-B226-A0C8AB06CB95}"/>
-          </ac:spMkLst>
-        </pc:spChg>
-        <pc:picChg chg="del">
-          <ac:chgData name="Rafael C." userId="ffa83960b425c528" providerId="LiveId" clId="{D5A872B8-313C-4215-B87E-B7B88119E156}" dt="2018-10-08T05:31:55.477" v="1995" actId="478"/>
-          <ac:picMkLst>
-            <pc:docMk/>
-            <pc:sldMk cId="450082940" sldId="317"/>
-            <ac:picMk id="6" creationId="{DE9A3BEF-42CD-4C36-A236-39278E8A4048}"/>
-          </ac:picMkLst>
-        </pc:picChg>
-        <pc:picChg chg="add mod">
-          <ac:chgData name="Rafael C." userId="ffa83960b425c528" providerId="LiveId" clId="{D5A872B8-313C-4215-B87E-B7B88119E156}" dt="2018-10-08T05:32:20.428" v="1999" actId="1076"/>
-          <ac:picMkLst>
-            <pc:docMk/>
-            <pc:sldMk cId="450082940" sldId="317"/>
-            <ac:picMk id="1026" creationId="{FE72D1CE-930B-45E8-B08A-2D94A3D8680F}"/>
-          </ac:picMkLst>
-        </pc:picChg>
-      </pc:sldChg>
-      <pc:sldChg chg="addSp delSp modSp add">
-        <pc:chgData name="Rafael C." userId="ffa83960b425c528" providerId="LiveId" clId="{D5A872B8-313C-4215-B87E-B7B88119E156}" dt="2018-10-08T05:36:45.110" v="2029" actId="1076"/>
-        <pc:sldMkLst>
-          <pc:docMk/>
-          <pc:sldMk cId="3513541520" sldId="318"/>
-        </pc:sldMkLst>
-        <pc:spChg chg="mod">
-          <ac:chgData name="Rafael C." userId="ffa83960b425c528" providerId="LiveId" clId="{D5A872B8-313C-4215-B87E-B7B88119E156}" dt="2018-10-08T05:32:32.396" v="2014" actId="20577"/>
-          <ac:spMkLst>
-            <pc:docMk/>
-            <pc:sldMk cId="3513541520" sldId="318"/>
-            <ac:spMk id="4" creationId="{47BF13C9-597F-4101-B226-A0C8AB06CB95}"/>
-          </ac:spMkLst>
-        </pc:spChg>
-        <pc:spChg chg="add del mod">
-          <ac:chgData name="Rafael C." userId="ffa83960b425c528" providerId="LiveId" clId="{D5A872B8-313C-4215-B87E-B7B88119E156}" dt="2018-10-08T05:36:13.887" v="2023" actId="1076"/>
-          <ac:spMkLst>
-            <pc:docMk/>
-            <pc:sldMk cId="3513541520" sldId="318"/>
-            <ac:spMk id="5" creationId="{EC9A45E1-1B10-4959-A23C-8023AD14133C}"/>
-          </ac:spMkLst>
-        </pc:spChg>
-        <pc:picChg chg="del">
-          <ac:chgData name="Rafael C." userId="ffa83960b425c528" providerId="LiveId" clId="{D5A872B8-313C-4215-B87E-B7B88119E156}" dt="2018-10-08T05:32:25.887" v="2001" actId="478"/>
-          <ac:picMkLst>
-            <pc:docMk/>
-            <pc:sldMk cId="3513541520" sldId="318"/>
-            <ac:picMk id="1026" creationId="{FE72D1CE-930B-45E8-B08A-2D94A3D8680F}"/>
-          </ac:picMkLst>
-        </pc:picChg>
-        <pc:picChg chg="add del mod">
-          <ac:chgData name="Rafael C." userId="ffa83960b425c528" providerId="LiveId" clId="{D5A872B8-313C-4215-B87E-B7B88119E156}" dt="2018-10-08T05:36:02.315" v="2020"/>
-          <ac:picMkLst>
-            <pc:docMk/>
-            <pc:sldMk cId="3513541520" sldId="318"/>
-            <ac:picMk id="2050" creationId="{805E7187-4557-4EC2-B80F-643ADA6DE3F8}"/>
-          </ac:picMkLst>
-        </pc:picChg>
-        <pc:picChg chg="add del mod">
-          <ac:chgData name="Rafael C." userId="ffa83960b425c528" providerId="LiveId" clId="{D5A872B8-313C-4215-B87E-B7B88119E156}" dt="2018-10-08T05:36:21.790" v="2026"/>
-          <ac:picMkLst>
-            <pc:docMk/>
-            <pc:sldMk cId="3513541520" sldId="318"/>
-            <ac:picMk id="2052" creationId="{6A560CE2-C7AD-497F-913B-7509841B01F3}"/>
-          </ac:picMkLst>
-        </pc:picChg>
-        <pc:picChg chg="add mod">
-          <ac:chgData name="Rafael C." userId="ffa83960b425c528" providerId="LiveId" clId="{D5A872B8-313C-4215-B87E-B7B88119E156}" dt="2018-10-08T05:36:45.110" v="2029" actId="1076"/>
-          <ac:picMkLst>
-            <pc:docMk/>
-            <pc:sldMk cId="3513541520" sldId="318"/>
-            <ac:picMk id="2054" creationId="{86E23C54-0407-4217-AFA7-300907EDA9A8}"/>
-          </ac:picMkLst>
-        </pc:picChg>
-      </pc:sldChg>
-      <pc:sldChg chg="add del ord setBg">
-        <pc:chgData name="Rafael C." userId="ffa83960b425c528" providerId="LiveId" clId="{D5A872B8-313C-4215-B87E-B7B88119E156}" dt="2018-10-18T04:03:22.087" v="2059" actId="2696"/>
-        <pc:sldMkLst>
-          <pc:docMk/>
-          <pc:sldMk cId="3692097646" sldId="335"/>
-        </pc:sldMkLst>
-      </pc:sldChg>
-      <pc:sldChg chg="add">
-        <pc:chgData name="Rafael C." userId="ffa83960b425c528" providerId="LiveId" clId="{D5A872B8-313C-4215-B87E-B7B88119E156}" dt="2018-10-18T04:03:03.829" v="2055"/>
-        <pc:sldMkLst>
-          <pc:docMk/>
-          <pc:sldMk cId="3080379292" sldId="336"/>
-        </pc:sldMkLst>
-      </pc:sldChg>
     </pc:docChg>
+  </pc:docChgLst>
+  <pc:docChgLst>
+    <pc:chgData name="Rafael C." userId="ffa83960b425c528" providerId="LiveId" clId="{D5A872B8-313C-4215-B87E-B7B88119E156}"/>
   </pc:docChgLst>
 </pc:chgInfo>
 </file>
@@ -2382,7 +422,7 @@
           <a:p>
             <a:fld id="{1B690E39-F30C-4A14-BE95-FF764D57248C}" type="datetimeFigureOut">
               <a:rPr lang="es-AR" smtClean="0"/>
-              <a:t>08/11/2018</a:t>
+              <a:t>6/8/2019</a:t>
             </a:fld>
             <a:endParaRPr lang="es-AR"/>
           </a:p>
@@ -10735,7 +8775,7 @@
           <p:cNvPr id="4" name="2 CuadroTexto">
             <a:extLst>
               <a:ext uri="{FF2B5EF4-FFF2-40B4-BE49-F238E27FC236}">
-                <a16:creationId xmlns="" xmlns:a16="http://schemas.microsoft.com/office/drawing/2014/main" id="{79AD52D0-06D4-4493-91EA-6C4E014DE8E7}"/>
+                <a16:creationId xmlns:a16="http://schemas.microsoft.com/office/drawing/2014/main" id="{79AD52D0-06D4-4493-91EA-6C4E014DE8E7}"/>
               </a:ext>
             </a:extLst>
           </p:cNvPr>
@@ -10760,7 +8800,6 @@
           <a:ln>
             <a:noFill/>
           </a:ln>
-          <a:extLst/>
         </p:spPr>
         <p:txBody>
           <a:bodyPr wrap="square" anchor="ctr">
@@ -10778,7 +8817,7 @@
               <a:defRPr/>
             </a:pPr>
             <a:r>
-              <a:rPr lang="es-AR" sz="6000" noProof="0" dirty="0" smtClean="0">
+              <a:rPr lang="es-AR" sz="6000" noProof="0" dirty="0">
                 <a:latin typeface="Calibri" panose="020F0502020204030204" pitchFamily="34" charset="0"/>
                 <a:cs typeface="Calibri" panose="020F0502020204030204" pitchFamily="34" charset="0"/>
               </a:rPr>
@@ -10791,47 +8830,6 @@
           </a:p>
         </p:txBody>
       </p:sp>
-      <p:pic>
-        <p:nvPicPr>
-          <p:cNvPr id="5" name="Picture 4" descr="C:\Users\rcrescenzi\OneDrive\docencia\UCEMA\ucema_logo.png"/>
-          <p:cNvPicPr>
-            <a:picLocks noChangeAspect="1" noChangeArrowheads="1"/>
-          </p:cNvPicPr>
-          <p:nvPr/>
-        </p:nvPicPr>
-        <p:blipFill>
-          <a:blip r:embed="rId4" cstate="print">
-            <a:extLst>
-              <a:ext uri="{28A0092B-C50C-407E-A947-70E740481C1C}">
-                <a14:useLocalDpi xmlns:a14="http://schemas.microsoft.com/office/drawing/2010/main" val="0"/>
-              </a:ext>
-            </a:extLst>
-          </a:blip>
-          <a:srcRect/>
-          <a:stretch>
-            <a:fillRect/>
-          </a:stretch>
-        </p:blipFill>
-        <p:spPr bwMode="auto">
-          <a:xfrm>
-            <a:off x="2783114" y="0"/>
-            <a:ext cx="6625772" cy="2425831"/>
-          </a:xfrm>
-          <a:prstGeom prst="rect">
-            <a:avLst/>
-          </a:prstGeom>
-          <a:noFill/>
-          <a:extLst>
-            <a:ext uri="{909E8E84-426E-40DD-AFC4-6F175D3DCCD1}">
-              <a14:hiddenFill xmlns:a14="http://schemas.microsoft.com/office/drawing/2010/main">
-                <a:solidFill>
-                  <a:srgbClr val="FFFFFF"/>
-                </a:solidFill>
-              </a14:hiddenFill>
-            </a:ext>
-          </a:extLst>
-        </p:spPr>
-      </p:pic>
     </p:spTree>
     <p:extLst>
       <p:ext uri="{BB962C8B-B14F-4D97-AF65-F5344CB8AC3E}">
@@ -10907,7 +8905,7 @@
           <p:cNvPr id="4" name="1 Rectángulo">
             <a:extLst>
               <a:ext uri="{FF2B5EF4-FFF2-40B4-BE49-F238E27FC236}">
-                <a16:creationId xmlns="" xmlns:a16="http://schemas.microsoft.com/office/drawing/2014/main" id="{47BF13C9-597F-4101-B226-A0C8AB06CB95}"/>
+                <a16:creationId xmlns:a16="http://schemas.microsoft.com/office/drawing/2014/main" id="{47BF13C9-597F-4101-B226-A0C8AB06CB95}"/>
               </a:ext>
             </a:extLst>
           </p:cNvPr>
@@ -10932,7 +8930,6 @@
           <a:ln>
             <a:noFill/>
           </a:ln>
-          <a:extLst/>
         </p:spPr>
         <p:txBody>
           <a:bodyPr anchor="ctr"/>
@@ -10984,7 +8981,7 @@
           <p:cNvPr id="5" name="1 Rectángulo">
             <a:extLst>
               <a:ext uri="{FF2B5EF4-FFF2-40B4-BE49-F238E27FC236}">
-                <a16:creationId xmlns="" xmlns:a16="http://schemas.microsoft.com/office/drawing/2014/main" id="{EC9A45E1-1B10-4959-A23C-8023AD14133C}"/>
+                <a16:creationId xmlns:a16="http://schemas.microsoft.com/office/drawing/2014/main" id="{EC9A45E1-1B10-4959-A23C-8023AD14133C}"/>
               </a:ext>
             </a:extLst>
           </p:cNvPr>
@@ -11009,7 +9006,6 @@
           <a:ln>
             <a:noFill/>
           </a:ln>
-          <a:extLst/>
         </p:spPr>
         <p:txBody>
           <a:bodyPr anchor="t"/>
@@ -11041,7 +9037,7 @@
           <p:cNvPr id="1026" name="Picture 2" descr="AlphaZero: Reacciones de GMs y de un autor de Stockfish">
             <a:extLst>
               <a:ext uri="{FF2B5EF4-FFF2-40B4-BE49-F238E27FC236}">
-                <a16:creationId xmlns="" xmlns:a16="http://schemas.microsoft.com/office/drawing/2014/main" id="{A475DFDC-F727-485B-8D5D-DDF2E6D76549}"/>
+                <a16:creationId xmlns:a16="http://schemas.microsoft.com/office/drawing/2014/main" id="{A475DFDC-F727-485B-8D5D-DDF2E6D76549}"/>
               </a:ext>
             </a:extLst>
           </p:cNvPr>
@@ -11067,47 +9063,6 @@
           <a:xfrm>
             <a:off x="3095624" y="2493110"/>
             <a:ext cx="6000750" cy="3371850"/>
-          </a:xfrm>
-          <a:prstGeom prst="rect">
-            <a:avLst/>
-          </a:prstGeom>
-          <a:noFill/>
-          <a:extLst>
-            <a:ext uri="{909E8E84-426E-40DD-AFC4-6F175D3DCCD1}">
-              <a14:hiddenFill xmlns:a14="http://schemas.microsoft.com/office/drawing/2010/main">
-                <a:solidFill>
-                  <a:srgbClr val="FFFFFF"/>
-                </a:solidFill>
-              </a14:hiddenFill>
-            </a:ext>
-          </a:extLst>
-        </p:spPr>
-      </p:pic>
-      <p:pic>
-        <p:nvPicPr>
-          <p:cNvPr id="6" name="Picture 4" descr="C:\Users\rcrescenzi\OneDrive\docencia\UCEMA\ucema_logo.png"/>
-          <p:cNvPicPr>
-            <a:picLocks noChangeAspect="1" noChangeArrowheads="1"/>
-          </p:cNvPicPr>
-          <p:nvPr/>
-        </p:nvPicPr>
-        <p:blipFill>
-          <a:blip r:embed="rId5" cstate="print">
-            <a:extLst>
-              <a:ext uri="{28A0092B-C50C-407E-A947-70E740481C1C}">
-                <a14:useLocalDpi xmlns:a14="http://schemas.microsoft.com/office/drawing/2010/main" val="0"/>
-              </a:ext>
-            </a:extLst>
-          </a:blip>
-          <a:srcRect/>
-          <a:stretch>
-            <a:fillRect/>
-          </a:stretch>
-        </p:blipFill>
-        <p:spPr bwMode="auto">
-          <a:xfrm>
-            <a:off x="8461829" y="-149930"/>
-            <a:ext cx="3672116" cy="1344437"/>
           </a:xfrm>
           <a:prstGeom prst="rect">
             <a:avLst/>
@@ -11302,60 +9257,6 @@
           </a:p>
         </p:txBody>
       </p:sp>
-      <p:pic>
-        <p:nvPicPr>
-          <p:cNvPr id="9220" name="Picture 5" descr="C:\Users\Ale\Desktop\Andre\Austral\2017-12-27\Logo-Ingenieria-H-01.png"/>
-          <p:cNvPicPr>
-            <a:picLocks noChangeAspect="1" noChangeArrowheads="1"/>
-          </p:cNvPicPr>
-          <p:nvPr/>
-        </p:nvPicPr>
-        <p:blipFill>
-          <a:blip r:embed="rId4">
-            <a:extLst>
-              <a:ext uri="{28A0092B-C50C-407E-A947-70E740481C1C}">
-                <a14:useLocalDpi xmlns:a14="http://schemas.microsoft.com/office/drawing/2010/main" val="0"/>
-              </a:ext>
-            </a:extLst>
-          </a:blip>
-          <a:srcRect/>
-          <a:stretch>
-            <a:fillRect/>
-          </a:stretch>
-        </p:blipFill>
-        <p:spPr bwMode="auto">
-          <a:xfrm>
-            <a:off x="8401051" y="260351"/>
-            <a:ext cx="3507316" cy="670983"/>
-          </a:xfrm>
-          <a:prstGeom prst="rect">
-            <a:avLst/>
-          </a:prstGeom>
-          <a:noFill/>
-          <a:ln>
-            <a:noFill/>
-          </a:ln>
-          <a:extLst>
-            <a:ext uri="{909E8E84-426E-40DD-AFC4-6F175D3DCCD1}">
-              <a14:hiddenFill xmlns:a14="http://schemas.microsoft.com/office/drawing/2010/main">
-                <a:solidFill>
-                  <a:srgbClr val="FFFFFF"/>
-                </a:solidFill>
-              </a14:hiddenFill>
-            </a:ext>
-            <a:ext uri="{91240B29-F687-4F45-9708-019B960494DF}">
-              <a14:hiddenLine xmlns:a14="http://schemas.microsoft.com/office/drawing/2010/main" w="9525">
-                <a:solidFill>
-                  <a:srgbClr val="000000"/>
-                </a:solidFill>
-                <a:miter lim="800000"/>
-                <a:headEnd/>
-                <a:tailEnd/>
-              </a14:hiddenLine>
-            </a:ext>
-          </a:extLst>
-        </p:spPr>
-      </p:pic>
     </p:spTree>
     <p:extLst>
       <p:ext uri="{BB962C8B-B14F-4D97-AF65-F5344CB8AC3E}">
@@ -11431,7 +9332,7 @@
           <p:cNvPr id="6" name="1 Rectángulo">
             <a:extLst>
               <a:ext uri="{FF2B5EF4-FFF2-40B4-BE49-F238E27FC236}">
-                <a16:creationId xmlns="" xmlns:a16="http://schemas.microsoft.com/office/drawing/2014/main" id="{44BD0C14-E986-4E36-83C4-EA36A6334937}"/>
+                <a16:creationId xmlns:a16="http://schemas.microsoft.com/office/drawing/2014/main" id="{44BD0C14-E986-4E36-83C4-EA36A6334937}"/>
               </a:ext>
             </a:extLst>
           </p:cNvPr>
@@ -11456,7 +9357,6 @@
           <a:ln>
             <a:noFill/>
           </a:ln>
-          <a:extLst/>
         </p:spPr>
         <p:txBody>
           <a:bodyPr anchor="ctr"/>
@@ -11647,12 +9547,12 @@
                 <a:hlinkClick r:id="rId4">
                   <a:extLst>
                     <a:ext uri="{A12FA001-AC4F-418D-AE19-62706E023703}">
-                      <ahyp:hlinkClr xmlns="" xmlns:ahyp="http://schemas.microsoft.com/office/drawing/2018/hyperlinkcolor" val="tx"/>
+                      <ahyp:hlinkClr xmlns:ahyp="http://schemas.microsoft.com/office/drawing/2018/hyperlinkcolor" val="tx"/>
                     </a:ext>
                   </a:extLst>
                 </a:hlinkClick>
               </a:rPr>
-              <a:t>rafael.crescenzi@Gmail.com</a:t>
+              <a:t>rcrescenzi@acordarweb.com</a:t>
             </a:r>
             <a:endParaRPr lang="es-AR" altLang="es-AR" sz="2400" b="1" dirty="0">
               <a:latin typeface="Arial" panose="020B0604020202020204" pitchFamily="34" charset="0"/>
@@ -11683,7 +9583,7 @@
                 <a:hlinkClick r:id="rId5">
                   <a:extLst>
                     <a:ext uri="{A12FA001-AC4F-418D-AE19-62706E023703}">
-                      <ahyp:hlinkClr xmlns="" xmlns:ahyp="http://schemas.microsoft.com/office/drawing/2018/hyperlinkcolor" val="tx"/>
+                      <ahyp:hlinkClr xmlns:ahyp="http://schemas.microsoft.com/office/drawing/2018/hyperlinkcolor" val="tx"/>
                     </a:ext>
                   </a:extLst>
                 </a:hlinkClick>
@@ -11719,7 +9619,7 @@
                 <a:hlinkClick r:id="rId6">
                   <a:extLst>
                     <a:ext uri="{A12FA001-AC4F-418D-AE19-62706E023703}">
-                      <ahyp:hlinkClr xmlns="" xmlns:ahyp="http://schemas.microsoft.com/office/drawing/2018/hyperlinkcolor" val="tx"/>
+                      <ahyp:hlinkClr xmlns:ahyp="http://schemas.microsoft.com/office/drawing/2018/hyperlinkcolor" val="tx"/>
                     </a:ext>
                   </a:extLst>
                 </a:hlinkClick>
@@ -11754,7 +9654,7 @@
                 <a:hlinkClick r:id="rId7">
                   <a:extLst>
                     <a:ext uri="{A12FA001-AC4F-418D-AE19-62706E023703}">
-                      <ahyp:hlinkClr xmlns="" xmlns:ahyp="http://schemas.microsoft.com/office/drawing/2018/hyperlinkcolor" val="tx"/>
+                      <ahyp:hlinkClr xmlns:ahyp="http://schemas.microsoft.com/office/drawing/2018/hyperlinkcolor" val="tx"/>
                     </a:ext>
                   </a:extLst>
                 </a:hlinkClick>
@@ -11768,47 +9668,6 @@
           </a:p>
         </p:txBody>
       </p:sp>
-      <p:pic>
-        <p:nvPicPr>
-          <p:cNvPr id="4" name="Picture 4" descr="C:\Users\rcrescenzi\OneDrive\docencia\UCEMA\ucema_logo.png"/>
-          <p:cNvPicPr>
-            <a:picLocks noChangeAspect="1" noChangeArrowheads="1"/>
-          </p:cNvPicPr>
-          <p:nvPr/>
-        </p:nvPicPr>
-        <p:blipFill>
-          <a:blip r:embed="rId8" cstate="print">
-            <a:extLst>
-              <a:ext uri="{28A0092B-C50C-407E-A947-70E740481C1C}">
-                <a14:useLocalDpi xmlns:a14="http://schemas.microsoft.com/office/drawing/2010/main" val="0"/>
-              </a:ext>
-            </a:extLst>
-          </a:blip>
-          <a:srcRect/>
-          <a:stretch>
-            <a:fillRect/>
-          </a:stretch>
-        </p:blipFill>
-        <p:spPr bwMode="auto">
-          <a:xfrm>
-            <a:off x="8461829" y="-149930"/>
-            <a:ext cx="3672116" cy="1344437"/>
-          </a:xfrm>
-          <a:prstGeom prst="rect">
-            <a:avLst/>
-          </a:prstGeom>
-          <a:noFill/>
-          <a:extLst>
-            <a:ext uri="{909E8E84-426E-40DD-AFC4-6F175D3DCCD1}">
-              <a14:hiddenFill xmlns:a14="http://schemas.microsoft.com/office/drawing/2010/main">
-                <a:solidFill>
-                  <a:srgbClr val="FFFFFF"/>
-                </a:solidFill>
-              </a14:hiddenFill>
-            </a:ext>
-          </a:extLst>
-        </p:spPr>
-      </p:pic>
     </p:spTree>
     <p:extLst>
       <p:ext uri="{BB962C8B-B14F-4D97-AF65-F5344CB8AC3E}">
@@ -11884,7 +9743,7 @@
           <p:cNvPr id="4" name="1 Rectángulo">
             <a:extLst>
               <a:ext uri="{FF2B5EF4-FFF2-40B4-BE49-F238E27FC236}">
-                <a16:creationId xmlns="" xmlns:a16="http://schemas.microsoft.com/office/drawing/2014/main" id="{47BF13C9-597F-4101-B226-A0C8AB06CB95}"/>
+                <a16:creationId xmlns:a16="http://schemas.microsoft.com/office/drawing/2014/main" id="{47BF13C9-597F-4101-B226-A0C8AB06CB95}"/>
               </a:ext>
             </a:extLst>
           </p:cNvPr>
@@ -11909,7 +9768,6 @@
           <a:ln>
             <a:noFill/>
           </a:ln>
-          <a:extLst/>
         </p:spPr>
         <p:txBody>
           <a:bodyPr anchor="ctr"/>
@@ -11961,7 +9819,7 @@
           <p:cNvPr id="5" name="1 Rectángulo">
             <a:extLst>
               <a:ext uri="{FF2B5EF4-FFF2-40B4-BE49-F238E27FC236}">
-                <a16:creationId xmlns="" xmlns:a16="http://schemas.microsoft.com/office/drawing/2014/main" id="{EC9A45E1-1B10-4959-A23C-8023AD14133C}"/>
+                <a16:creationId xmlns:a16="http://schemas.microsoft.com/office/drawing/2014/main" id="{EC9A45E1-1B10-4959-A23C-8023AD14133C}"/>
               </a:ext>
             </a:extLst>
           </p:cNvPr>
@@ -11986,7 +9844,6 @@
           <a:ln>
             <a:noFill/>
           </a:ln>
-          <a:extLst/>
         </p:spPr>
         <p:txBody>
           <a:bodyPr anchor="t"/>
@@ -12025,7 +9882,7 @@
           <p:cNvPr id="6" name="Picture 4" descr="Resultado de imagen para grid world reinforcement learning">
             <a:extLst>
               <a:ext uri="{FF2B5EF4-FFF2-40B4-BE49-F238E27FC236}">
-                <a16:creationId xmlns="" xmlns:a16="http://schemas.microsoft.com/office/drawing/2014/main" id="{3A5DF90B-15EE-4D27-B86F-D2C4C7A43F79}"/>
+                <a16:creationId xmlns:a16="http://schemas.microsoft.com/office/drawing/2014/main" id="{3A5DF90B-15EE-4D27-B86F-D2C4C7A43F79}"/>
               </a:ext>
             </a:extLst>
           </p:cNvPr>
@@ -12051,47 +9908,6 @@
           <a:xfrm>
             <a:off x="3779662" y="3131607"/>
             <a:ext cx="4621389" cy="3466042"/>
-          </a:xfrm>
-          <a:prstGeom prst="rect">
-            <a:avLst/>
-          </a:prstGeom>
-          <a:noFill/>
-          <a:extLst>
-            <a:ext uri="{909E8E84-426E-40DD-AFC4-6F175D3DCCD1}">
-              <a14:hiddenFill xmlns:a14="http://schemas.microsoft.com/office/drawing/2010/main">
-                <a:solidFill>
-                  <a:srgbClr val="FFFFFF"/>
-                </a:solidFill>
-              </a14:hiddenFill>
-            </a:ext>
-          </a:extLst>
-        </p:spPr>
-      </p:pic>
-      <p:pic>
-        <p:nvPicPr>
-          <p:cNvPr id="7" name="Picture 4" descr="C:\Users\rcrescenzi\OneDrive\docencia\UCEMA\ucema_logo.png"/>
-          <p:cNvPicPr>
-            <a:picLocks noChangeAspect="1" noChangeArrowheads="1"/>
-          </p:cNvPicPr>
-          <p:nvPr/>
-        </p:nvPicPr>
-        <p:blipFill>
-          <a:blip r:embed="rId5" cstate="print">
-            <a:extLst>
-              <a:ext uri="{28A0092B-C50C-407E-A947-70E740481C1C}">
-                <a14:useLocalDpi xmlns:a14="http://schemas.microsoft.com/office/drawing/2010/main" val="0"/>
-              </a:ext>
-            </a:extLst>
-          </a:blip>
-          <a:srcRect/>
-          <a:stretch>
-            <a:fillRect/>
-          </a:stretch>
-        </p:blipFill>
-        <p:spPr bwMode="auto">
-          <a:xfrm>
-            <a:off x="8461829" y="-149930"/>
-            <a:ext cx="3672116" cy="1344437"/>
           </a:xfrm>
           <a:prstGeom prst="rect">
             <a:avLst/>
@@ -12183,7 +9999,7 @@
           <p:cNvPr id="4" name="1 Rectángulo">
             <a:extLst>
               <a:ext uri="{FF2B5EF4-FFF2-40B4-BE49-F238E27FC236}">
-                <a16:creationId xmlns="" xmlns:a16="http://schemas.microsoft.com/office/drawing/2014/main" id="{47BF13C9-597F-4101-B226-A0C8AB06CB95}"/>
+                <a16:creationId xmlns:a16="http://schemas.microsoft.com/office/drawing/2014/main" id="{47BF13C9-597F-4101-B226-A0C8AB06CB95}"/>
               </a:ext>
             </a:extLst>
           </p:cNvPr>
@@ -12208,7 +10024,6 @@
           <a:ln>
             <a:noFill/>
           </a:ln>
-          <a:extLst/>
         </p:spPr>
         <p:txBody>
           <a:bodyPr anchor="ctr"/>
@@ -12260,7 +10075,7 @@
           <p:cNvPr id="5" name="1 Rectángulo">
             <a:extLst>
               <a:ext uri="{FF2B5EF4-FFF2-40B4-BE49-F238E27FC236}">
-                <a16:creationId xmlns="" xmlns:a16="http://schemas.microsoft.com/office/drawing/2014/main" id="{EC9A45E1-1B10-4959-A23C-8023AD14133C}"/>
+                <a16:creationId xmlns:a16="http://schemas.microsoft.com/office/drawing/2014/main" id="{EC9A45E1-1B10-4959-A23C-8023AD14133C}"/>
               </a:ext>
             </a:extLst>
           </p:cNvPr>
@@ -12285,7 +10100,6 @@
           <a:ln>
             <a:noFill/>
           </a:ln>
-          <a:extLst/>
         </p:spPr>
         <p:txBody>
           <a:bodyPr anchor="ctr"/>
@@ -12319,47 +10133,6 @@
           </a:p>
         </p:txBody>
       </p:sp>
-      <p:pic>
-        <p:nvPicPr>
-          <p:cNvPr id="6" name="Picture 4" descr="C:\Users\rcrescenzi\OneDrive\docencia\UCEMA\ucema_logo.png"/>
-          <p:cNvPicPr>
-            <a:picLocks noChangeAspect="1" noChangeArrowheads="1"/>
-          </p:cNvPicPr>
-          <p:nvPr/>
-        </p:nvPicPr>
-        <p:blipFill>
-          <a:blip r:embed="rId4" cstate="print">
-            <a:extLst>
-              <a:ext uri="{28A0092B-C50C-407E-A947-70E740481C1C}">
-                <a14:useLocalDpi xmlns:a14="http://schemas.microsoft.com/office/drawing/2010/main" val="0"/>
-              </a:ext>
-            </a:extLst>
-          </a:blip>
-          <a:srcRect/>
-          <a:stretch>
-            <a:fillRect/>
-          </a:stretch>
-        </p:blipFill>
-        <p:spPr bwMode="auto">
-          <a:xfrm>
-            <a:off x="8461829" y="-149930"/>
-            <a:ext cx="3672116" cy="1344437"/>
-          </a:xfrm>
-          <a:prstGeom prst="rect">
-            <a:avLst/>
-          </a:prstGeom>
-          <a:noFill/>
-          <a:extLst>
-            <a:ext uri="{909E8E84-426E-40DD-AFC4-6F175D3DCCD1}">
-              <a14:hiddenFill xmlns:a14="http://schemas.microsoft.com/office/drawing/2010/main">
-                <a:solidFill>
-                  <a:srgbClr val="FFFFFF"/>
-                </a:solidFill>
-              </a14:hiddenFill>
-            </a:ext>
-          </a:extLst>
-        </p:spPr>
-      </p:pic>
     </p:spTree>
     <p:extLst>
       <p:ext uri="{BB962C8B-B14F-4D97-AF65-F5344CB8AC3E}">
@@ -12435,7 +10208,7 @@
           <p:cNvPr id="4" name="1 Rectángulo">
             <a:extLst>
               <a:ext uri="{FF2B5EF4-FFF2-40B4-BE49-F238E27FC236}">
-                <a16:creationId xmlns="" xmlns:a16="http://schemas.microsoft.com/office/drawing/2014/main" id="{47BF13C9-597F-4101-B226-A0C8AB06CB95}"/>
+                <a16:creationId xmlns:a16="http://schemas.microsoft.com/office/drawing/2014/main" id="{47BF13C9-597F-4101-B226-A0C8AB06CB95}"/>
               </a:ext>
             </a:extLst>
           </p:cNvPr>
@@ -12460,7 +10233,6 @@
           <a:ln>
             <a:noFill/>
           </a:ln>
-          <a:extLst/>
         </p:spPr>
         <p:txBody>
           <a:bodyPr anchor="ctr"/>
@@ -12512,7 +10284,7 @@
           <p:cNvPr id="5" name="1 Rectángulo">
             <a:extLst>
               <a:ext uri="{FF2B5EF4-FFF2-40B4-BE49-F238E27FC236}">
-                <a16:creationId xmlns="" xmlns:a16="http://schemas.microsoft.com/office/drawing/2014/main" id="{EC9A45E1-1B10-4959-A23C-8023AD14133C}"/>
+                <a16:creationId xmlns:a16="http://schemas.microsoft.com/office/drawing/2014/main" id="{EC9A45E1-1B10-4959-A23C-8023AD14133C}"/>
               </a:ext>
             </a:extLst>
           </p:cNvPr>
@@ -12537,7 +10309,6 @@
           <a:ln>
             <a:noFill/>
           </a:ln>
-          <a:extLst/>
         </p:spPr>
         <p:txBody>
           <a:bodyPr anchor="t"/>
@@ -12569,7 +10340,7 @@
           <p:cNvPr id="6146" name="Picture 2" descr="Resultado de imagen para warcraft 1">
             <a:extLst>
               <a:ext uri="{FF2B5EF4-FFF2-40B4-BE49-F238E27FC236}">
-                <a16:creationId xmlns="" xmlns:a16="http://schemas.microsoft.com/office/drawing/2014/main" id="{E4A2DB2F-6E84-487E-B5B7-DDF72E4B1309}"/>
+                <a16:creationId xmlns:a16="http://schemas.microsoft.com/office/drawing/2014/main" id="{E4A2DB2F-6E84-487E-B5B7-DDF72E4B1309}"/>
               </a:ext>
             </a:extLst>
           </p:cNvPr>
@@ -12595,47 +10366,6 @@
           <a:xfrm>
             <a:off x="3048000" y="2250832"/>
             <a:ext cx="6096000" cy="4572000"/>
-          </a:xfrm>
-          <a:prstGeom prst="rect">
-            <a:avLst/>
-          </a:prstGeom>
-          <a:noFill/>
-          <a:extLst>
-            <a:ext uri="{909E8E84-426E-40DD-AFC4-6F175D3DCCD1}">
-              <a14:hiddenFill xmlns:a14="http://schemas.microsoft.com/office/drawing/2010/main">
-                <a:solidFill>
-                  <a:srgbClr val="FFFFFF"/>
-                </a:solidFill>
-              </a14:hiddenFill>
-            </a:ext>
-          </a:extLst>
-        </p:spPr>
-      </p:pic>
-      <p:pic>
-        <p:nvPicPr>
-          <p:cNvPr id="6" name="Picture 4" descr="C:\Users\rcrescenzi\OneDrive\docencia\UCEMA\ucema_logo.png"/>
-          <p:cNvPicPr>
-            <a:picLocks noChangeAspect="1" noChangeArrowheads="1"/>
-          </p:cNvPicPr>
-          <p:nvPr/>
-        </p:nvPicPr>
-        <p:blipFill>
-          <a:blip r:embed="rId5" cstate="print">
-            <a:extLst>
-              <a:ext uri="{28A0092B-C50C-407E-A947-70E740481C1C}">
-                <a14:useLocalDpi xmlns:a14="http://schemas.microsoft.com/office/drawing/2010/main" val="0"/>
-              </a:ext>
-            </a:extLst>
-          </a:blip>
-          <a:srcRect/>
-          <a:stretch>
-            <a:fillRect/>
-          </a:stretch>
-        </p:blipFill>
-        <p:spPr bwMode="auto">
-          <a:xfrm>
-            <a:off x="8461829" y="-149930"/>
-            <a:ext cx="3672116" cy="1344437"/>
           </a:xfrm>
           <a:prstGeom prst="rect">
             <a:avLst/>
@@ -12727,7 +10457,7 @@
           <p:cNvPr id="4" name="1 Rectángulo">
             <a:extLst>
               <a:ext uri="{FF2B5EF4-FFF2-40B4-BE49-F238E27FC236}">
-                <a16:creationId xmlns="" xmlns:a16="http://schemas.microsoft.com/office/drawing/2014/main" id="{47BF13C9-597F-4101-B226-A0C8AB06CB95}"/>
+                <a16:creationId xmlns:a16="http://schemas.microsoft.com/office/drawing/2014/main" id="{47BF13C9-597F-4101-B226-A0C8AB06CB95}"/>
               </a:ext>
             </a:extLst>
           </p:cNvPr>
@@ -12752,7 +10482,6 @@
           <a:ln>
             <a:noFill/>
           </a:ln>
-          <a:extLst/>
         </p:spPr>
         <p:txBody>
           <a:bodyPr anchor="ctr"/>
@@ -12804,7 +10533,7 @@
           <p:cNvPr id="5" name="1 Rectángulo">
             <a:extLst>
               <a:ext uri="{FF2B5EF4-FFF2-40B4-BE49-F238E27FC236}">
-                <a16:creationId xmlns="" xmlns:a16="http://schemas.microsoft.com/office/drawing/2014/main" id="{EC9A45E1-1B10-4959-A23C-8023AD14133C}"/>
+                <a16:creationId xmlns:a16="http://schemas.microsoft.com/office/drawing/2014/main" id="{EC9A45E1-1B10-4959-A23C-8023AD14133C}"/>
               </a:ext>
             </a:extLst>
           </p:cNvPr>
@@ -12829,7 +10558,6 @@
           <a:ln>
             <a:noFill/>
           </a:ln>
-          <a:extLst/>
         </p:spPr>
         <p:txBody>
           <a:bodyPr anchor="t"/>
@@ -12861,7 +10589,7 @@
           <p:cNvPr id="7170" name="Picture 2" descr="Resultado de imagen para deep blue chess">
             <a:extLst>
               <a:ext uri="{FF2B5EF4-FFF2-40B4-BE49-F238E27FC236}">
-                <a16:creationId xmlns="" xmlns:a16="http://schemas.microsoft.com/office/drawing/2014/main" id="{D48D36DF-D50B-44FA-8A17-951AAB179756}"/>
+                <a16:creationId xmlns:a16="http://schemas.microsoft.com/office/drawing/2014/main" id="{D48D36DF-D50B-44FA-8A17-951AAB179756}"/>
               </a:ext>
             </a:extLst>
           </p:cNvPr>
@@ -12887,47 +10615,6 @@
           <a:xfrm>
             <a:off x="2089895" y="2104712"/>
             <a:ext cx="8012209" cy="4514884"/>
-          </a:xfrm>
-          <a:prstGeom prst="rect">
-            <a:avLst/>
-          </a:prstGeom>
-          <a:noFill/>
-          <a:extLst>
-            <a:ext uri="{909E8E84-426E-40DD-AFC4-6F175D3DCCD1}">
-              <a14:hiddenFill xmlns:a14="http://schemas.microsoft.com/office/drawing/2010/main">
-                <a:solidFill>
-                  <a:srgbClr val="FFFFFF"/>
-                </a:solidFill>
-              </a14:hiddenFill>
-            </a:ext>
-          </a:extLst>
-        </p:spPr>
-      </p:pic>
-      <p:pic>
-        <p:nvPicPr>
-          <p:cNvPr id="6" name="Picture 4" descr="C:\Users\rcrescenzi\OneDrive\docencia\UCEMA\ucema_logo.png"/>
-          <p:cNvPicPr>
-            <a:picLocks noChangeAspect="1" noChangeArrowheads="1"/>
-          </p:cNvPicPr>
-          <p:nvPr/>
-        </p:nvPicPr>
-        <p:blipFill>
-          <a:blip r:embed="rId5" cstate="print">
-            <a:extLst>
-              <a:ext uri="{28A0092B-C50C-407E-A947-70E740481C1C}">
-                <a14:useLocalDpi xmlns:a14="http://schemas.microsoft.com/office/drawing/2010/main" val="0"/>
-              </a:ext>
-            </a:extLst>
-          </a:blip>
-          <a:srcRect/>
-          <a:stretch>
-            <a:fillRect/>
-          </a:stretch>
-        </p:blipFill>
-        <p:spPr bwMode="auto">
-          <a:xfrm>
-            <a:off x="8461829" y="-149930"/>
-            <a:ext cx="3672116" cy="1344437"/>
           </a:xfrm>
           <a:prstGeom prst="rect">
             <a:avLst/>
@@ -13019,7 +10706,7 @@
           <p:cNvPr id="4" name="1 Rectángulo">
             <a:extLst>
               <a:ext uri="{FF2B5EF4-FFF2-40B4-BE49-F238E27FC236}">
-                <a16:creationId xmlns="" xmlns:a16="http://schemas.microsoft.com/office/drawing/2014/main" id="{47BF13C9-597F-4101-B226-A0C8AB06CB95}"/>
+                <a16:creationId xmlns:a16="http://schemas.microsoft.com/office/drawing/2014/main" id="{47BF13C9-597F-4101-B226-A0C8AB06CB95}"/>
               </a:ext>
             </a:extLst>
           </p:cNvPr>
@@ -13044,7 +10731,6 @@
           <a:ln>
             <a:noFill/>
           </a:ln>
-          <a:extLst/>
         </p:spPr>
         <p:txBody>
           <a:bodyPr anchor="ctr"/>
@@ -13096,7 +10782,7 @@
           <p:cNvPr id="5" name="1 Rectángulo">
             <a:extLst>
               <a:ext uri="{FF2B5EF4-FFF2-40B4-BE49-F238E27FC236}">
-                <a16:creationId xmlns="" xmlns:a16="http://schemas.microsoft.com/office/drawing/2014/main" id="{EC9A45E1-1B10-4959-A23C-8023AD14133C}"/>
+                <a16:creationId xmlns:a16="http://schemas.microsoft.com/office/drawing/2014/main" id="{EC9A45E1-1B10-4959-A23C-8023AD14133C}"/>
               </a:ext>
             </a:extLst>
           </p:cNvPr>
@@ -13121,7 +10807,6 @@
           <a:ln>
             <a:noFill/>
           </a:ln>
-          <a:extLst/>
         </p:spPr>
         <p:txBody>
           <a:bodyPr anchor="t"/>
@@ -13153,7 +10838,7 @@
           <p:cNvPr id="7" name="Picture 2" descr="Resultado de imagen para deep mind go">
             <a:extLst>
               <a:ext uri="{FF2B5EF4-FFF2-40B4-BE49-F238E27FC236}">
-                <a16:creationId xmlns="" xmlns:a16="http://schemas.microsoft.com/office/drawing/2014/main" id="{18C98634-8C86-4D23-9D4C-15C541221D46}"/>
+                <a16:creationId xmlns:a16="http://schemas.microsoft.com/office/drawing/2014/main" id="{18C98634-8C86-4D23-9D4C-15C541221D46}"/>
               </a:ext>
             </a:extLst>
           </p:cNvPr>
@@ -13179,47 +10864,6 @@
           <a:xfrm>
             <a:off x="1987151" y="2228458"/>
             <a:ext cx="8217697" cy="4616748"/>
-          </a:xfrm>
-          <a:prstGeom prst="rect">
-            <a:avLst/>
-          </a:prstGeom>
-          <a:noFill/>
-          <a:extLst>
-            <a:ext uri="{909E8E84-426E-40DD-AFC4-6F175D3DCCD1}">
-              <a14:hiddenFill xmlns:a14="http://schemas.microsoft.com/office/drawing/2010/main">
-                <a:solidFill>
-                  <a:srgbClr val="FFFFFF"/>
-                </a:solidFill>
-              </a14:hiddenFill>
-            </a:ext>
-          </a:extLst>
-        </p:spPr>
-      </p:pic>
-      <p:pic>
-        <p:nvPicPr>
-          <p:cNvPr id="6" name="Picture 4" descr="C:\Users\rcrescenzi\OneDrive\docencia\UCEMA\ucema_logo.png"/>
-          <p:cNvPicPr>
-            <a:picLocks noChangeAspect="1" noChangeArrowheads="1"/>
-          </p:cNvPicPr>
-          <p:nvPr/>
-        </p:nvPicPr>
-        <p:blipFill>
-          <a:blip r:embed="rId5" cstate="print">
-            <a:extLst>
-              <a:ext uri="{28A0092B-C50C-407E-A947-70E740481C1C}">
-                <a14:useLocalDpi xmlns:a14="http://schemas.microsoft.com/office/drawing/2010/main" val="0"/>
-              </a:ext>
-            </a:extLst>
-          </a:blip>
-          <a:srcRect/>
-          <a:stretch>
-            <a:fillRect/>
-          </a:stretch>
-        </p:blipFill>
-        <p:spPr bwMode="auto">
-          <a:xfrm>
-            <a:off x="8461829" y="-149930"/>
-            <a:ext cx="3672116" cy="1344437"/>
           </a:xfrm>
           <a:prstGeom prst="rect">
             <a:avLst/>
@@ -13311,7 +10955,7 @@
           <p:cNvPr id="4" name="1 Rectángulo">
             <a:extLst>
               <a:ext uri="{FF2B5EF4-FFF2-40B4-BE49-F238E27FC236}">
-                <a16:creationId xmlns="" xmlns:a16="http://schemas.microsoft.com/office/drawing/2014/main" id="{47BF13C9-597F-4101-B226-A0C8AB06CB95}"/>
+                <a16:creationId xmlns:a16="http://schemas.microsoft.com/office/drawing/2014/main" id="{47BF13C9-597F-4101-B226-A0C8AB06CB95}"/>
               </a:ext>
             </a:extLst>
           </p:cNvPr>
@@ -13336,7 +10980,6 @@
           <a:ln>
             <a:noFill/>
           </a:ln>
-          <a:extLst/>
         </p:spPr>
         <p:txBody>
           <a:bodyPr anchor="ctr"/>
@@ -13388,7 +11031,7 @@
           <p:cNvPr id="5" name="1 Rectángulo">
             <a:extLst>
               <a:ext uri="{FF2B5EF4-FFF2-40B4-BE49-F238E27FC236}">
-                <a16:creationId xmlns="" xmlns:a16="http://schemas.microsoft.com/office/drawing/2014/main" id="{EC9A45E1-1B10-4959-A23C-8023AD14133C}"/>
+                <a16:creationId xmlns:a16="http://schemas.microsoft.com/office/drawing/2014/main" id="{EC9A45E1-1B10-4959-A23C-8023AD14133C}"/>
               </a:ext>
             </a:extLst>
           </p:cNvPr>
@@ -13413,7 +11056,6 @@
           <a:ln>
             <a:noFill/>
           </a:ln>
-          <a:extLst/>
         </p:spPr>
         <p:txBody>
           <a:bodyPr anchor="t"/>
@@ -13445,7 +11087,7 @@
           <p:cNvPr id="6" name="Picture 2" descr="Imagen relacionada">
             <a:extLst>
               <a:ext uri="{FF2B5EF4-FFF2-40B4-BE49-F238E27FC236}">
-                <a16:creationId xmlns="" xmlns:a16="http://schemas.microsoft.com/office/drawing/2014/main" id="{CC9EA084-A061-44C5-A80A-2FFF7389D07E}"/>
+                <a16:creationId xmlns:a16="http://schemas.microsoft.com/office/drawing/2014/main" id="{CC9EA084-A061-44C5-A80A-2FFF7389D07E}"/>
               </a:ext>
             </a:extLst>
           </p:cNvPr>
@@ -13471,47 +11113,6 @@
           <a:xfrm>
             <a:off x="2089442" y="2208415"/>
             <a:ext cx="8013115" cy="4507377"/>
-          </a:xfrm>
-          <a:prstGeom prst="rect">
-            <a:avLst/>
-          </a:prstGeom>
-          <a:noFill/>
-          <a:extLst>
-            <a:ext uri="{909E8E84-426E-40DD-AFC4-6F175D3DCCD1}">
-              <a14:hiddenFill xmlns:a14="http://schemas.microsoft.com/office/drawing/2010/main">
-                <a:solidFill>
-                  <a:srgbClr val="FFFFFF"/>
-                </a:solidFill>
-              </a14:hiddenFill>
-            </a:ext>
-          </a:extLst>
-        </p:spPr>
-      </p:pic>
-      <p:pic>
-        <p:nvPicPr>
-          <p:cNvPr id="7" name="Picture 4" descr="C:\Users\rcrescenzi\OneDrive\docencia\UCEMA\ucema_logo.png"/>
-          <p:cNvPicPr>
-            <a:picLocks noChangeAspect="1" noChangeArrowheads="1"/>
-          </p:cNvPicPr>
-          <p:nvPr/>
-        </p:nvPicPr>
-        <p:blipFill>
-          <a:blip r:embed="rId5" cstate="print">
-            <a:extLst>
-              <a:ext uri="{28A0092B-C50C-407E-A947-70E740481C1C}">
-                <a14:useLocalDpi xmlns:a14="http://schemas.microsoft.com/office/drawing/2010/main" val="0"/>
-              </a:ext>
-            </a:extLst>
-          </a:blip>
-          <a:srcRect/>
-          <a:stretch>
-            <a:fillRect/>
-          </a:stretch>
-        </p:blipFill>
-        <p:spPr bwMode="auto">
-          <a:xfrm>
-            <a:off x="8461829" y="-149930"/>
-            <a:ext cx="3672116" cy="1344437"/>
           </a:xfrm>
           <a:prstGeom prst="rect">
             <a:avLst/>
@@ -13603,7 +11204,7 @@
           <p:cNvPr id="4" name="1 Rectángulo">
             <a:extLst>
               <a:ext uri="{FF2B5EF4-FFF2-40B4-BE49-F238E27FC236}">
-                <a16:creationId xmlns="" xmlns:a16="http://schemas.microsoft.com/office/drawing/2014/main" id="{47BF13C9-597F-4101-B226-A0C8AB06CB95}"/>
+                <a16:creationId xmlns:a16="http://schemas.microsoft.com/office/drawing/2014/main" id="{47BF13C9-597F-4101-B226-A0C8AB06CB95}"/>
               </a:ext>
             </a:extLst>
           </p:cNvPr>
@@ -13628,7 +11229,6 @@
           <a:ln>
             <a:noFill/>
           </a:ln>
-          <a:extLst/>
         </p:spPr>
         <p:txBody>
           <a:bodyPr anchor="ctr"/>
@@ -13680,7 +11280,7 @@
           <p:cNvPr id="5" name="1 Rectángulo">
             <a:extLst>
               <a:ext uri="{FF2B5EF4-FFF2-40B4-BE49-F238E27FC236}">
-                <a16:creationId xmlns="" xmlns:a16="http://schemas.microsoft.com/office/drawing/2014/main" id="{EC9A45E1-1B10-4959-A23C-8023AD14133C}"/>
+                <a16:creationId xmlns:a16="http://schemas.microsoft.com/office/drawing/2014/main" id="{EC9A45E1-1B10-4959-A23C-8023AD14133C}"/>
               </a:ext>
             </a:extLst>
           </p:cNvPr>
@@ -13705,7 +11305,6 @@
           <a:ln>
             <a:noFill/>
           </a:ln>
-          <a:extLst/>
         </p:spPr>
         <p:txBody>
           <a:bodyPr anchor="t"/>
@@ -13737,7 +11336,7 @@
           <p:cNvPr id="7" name="Picture 2" descr="Resultado de imagen para self driving car openai">
             <a:extLst>
               <a:ext uri="{FF2B5EF4-FFF2-40B4-BE49-F238E27FC236}">
-                <a16:creationId xmlns="" xmlns:a16="http://schemas.microsoft.com/office/drawing/2014/main" id="{C8B3C82A-341D-470C-8EF6-655ED9E9C4CC}"/>
+                <a16:creationId xmlns:a16="http://schemas.microsoft.com/office/drawing/2014/main" id="{C8B3C82A-341D-470C-8EF6-655ED9E9C4CC}"/>
               </a:ext>
             </a:extLst>
           </p:cNvPr>
@@ -13763,47 +11362,6 @@
           <a:xfrm>
             <a:off x="2593535" y="2112747"/>
             <a:ext cx="7004928" cy="4710084"/>
-          </a:xfrm>
-          <a:prstGeom prst="rect">
-            <a:avLst/>
-          </a:prstGeom>
-          <a:noFill/>
-          <a:extLst>
-            <a:ext uri="{909E8E84-426E-40DD-AFC4-6F175D3DCCD1}">
-              <a14:hiddenFill xmlns:a14="http://schemas.microsoft.com/office/drawing/2010/main">
-                <a:solidFill>
-                  <a:srgbClr val="FFFFFF"/>
-                </a:solidFill>
-              </a14:hiddenFill>
-            </a:ext>
-          </a:extLst>
-        </p:spPr>
-      </p:pic>
-      <p:pic>
-        <p:nvPicPr>
-          <p:cNvPr id="6" name="Picture 4" descr="C:\Users\rcrescenzi\OneDrive\docencia\UCEMA\ucema_logo.png"/>
-          <p:cNvPicPr>
-            <a:picLocks noChangeAspect="1" noChangeArrowheads="1"/>
-          </p:cNvPicPr>
-          <p:nvPr/>
-        </p:nvPicPr>
-        <p:blipFill>
-          <a:blip r:embed="rId5" cstate="print">
-            <a:extLst>
-              <a:ext uri="{28A0092B-C50C-407E-A947-70E740481C1C}">
-                <a14:useLocalDpi xmlns:a14="http://schemas.microsoft.com/office/drawing/2010/main" val="0"/>
-              </a:ext>
-            </a:extLst>
-          </a:blip>
-          <a:srcRect/>
-          <a:stretch>
-            <a:fillRect/>
-          </a:stretch>
-        </p:blipFill>
-        <p:spPr bwMode="auto">
-          <a:xfrm>
-            <a:off x="8461829" y="-149930"/>
-            <a:ext cx="3672116" cy="1344437"/>
           </a:xfrm>
           <a:prstGeom prst="rect">
             <a:avLst/>
@@ -14776,7 +12334,7 @@
   <a:extraClrSchemeLst/>
   <a:extLst>
     <a:ext uri="{05A4C25C-085E-4340-85A3-A5531E510DB2}">
-      <thm15:themeFamily xmlns="" xmlns:thm15="http://schemas.microsoft.com/office/thememl/2012/main" name="Office Theme" id="{62F939B6-93AF-4DB8-9C6B-D6C7DFDC589F}" vid="{4A3C46E8-61CC-4603-A589-7422A47A8E4A}"/>
+      <thm15:themeFamily xmlns:thm15="http://schemas.microsoft.com/office/thememl/2012/main" name="Office Theme" id="{62F939B6-93AF-4DB8-9C6B-D6C7DFDC589F}" vid="{4A3C46E8-61CC-4603-A589-7422A47A8E4A}"/>
     </a:ext>
   </a:extLst>
 </a:theme>
